--- a/HW5/HW5-1 VGA顯示/HW5-1 VGA顯示.pptx
+++ b/HW5/HW5-1 VGA顯示/HW5-1 VGA顯示.pptx
@@ -5,30 +5,19 @@
     <p:sldMasterId id="2147483648" r:id="rId1"/>
   </p:sldMasterIdLst>
   <p:notesMasterIdLst>
-    <p:notesMasterId r:id="rId20"/>
+    <p:notesMasterId r:id="rId9"/>
   </p:notesMasterIdLst>
   <p:handoutMasterIdLst>
-    <p:handoutMasterId r:id="rId21"/>
+    <p:handoutMasterId r:id="rId10"/>
   </p:handoutMasterIdLst>
   <p:sldIdLst>
     <p:sldId id="259" r:id="rId2"/>
     <p:sldId id="272" r:id="rId3"/>
     <p:sldId id="273" r:id="rId4"/>
     <p:sldId id="274" r:id="rId5"/>
-    <p:sldId id="275" r:id="rId6"/>
-    <p:sldId id="276" r:id="rId7"/>
-    <p:sldId id="261" r:id="rId8"/>
-    <p:sldId id="260" r:id="rId9"/>
-    <p:sldId id="262" r:id="rId10"/>
-    <p:sldId id="263" r:id="rId11"/>
-    <p:sldId id="264" r:id="rId12"/>
-    <p:sldId id="265" r:id="rId13"/>
-    <p:sldId id="266" r:id="rId14"/>
-    <p:sldId id="267" r:id="rId15"/>
-    <p:sldId id="269" r:id="rId16"/>
-    <p:sldId id="268" r:id="rId17"/>
-    <p:sldId id="271" r:id="rId18"/>
-    <p:sldId id="270" r:id="rId19"/>
+    <p:sldId id="276" r:id="rId6"/>
+    <p:sldId id="275" r:id="rId7"/>
+    <p:sldId id="277" r:id="rId8"/>
   </p:sldIdLst>
   <p:sldSz cx="12192000" cy="6858000"/>
   <p:notesSz cx="6858000" cy="9144000"/>
@@ -135,29 +124,14 @@
             <p14:sldId id="259"/>
           </p14:sldIdLst>
         </p14:section>
-        <p14:section name="乒乓球" id="{50C51D32-7315-4F19-9ABD-7D92A5292068}">
+        <p14:section name="VGA" id="{50C51D32-7315-4F19-9ABD-7D92A5292068}">
           <p14:sldIdLst>
             <p14:sldId id="272"/>
             <p14:sldId id="273"/>
             <p14:sldId id="274"/>
+            <p14:sldId id="276"/>
             <p14:sldId id="275"/>
-            <p14:sldId id="276"/>
-            <p14:sldId id="261"/>
-            <p14:sldId id="260"/>
-            <p14:sldId id="262"/>
-            <p14:sldId id="263"/>
-            <p14:sldId id="264"/>
-            <p14:sldId id="265"/>
-            <p14:sldId id="266"/>
-            <p14:sldId id="267"/>
-            <p14:sldId id="269"/>
-            <p14:sldId id="268"/>
-          </p14:sldIdLst>
-        </p14:section>
-        <p14:section name="修改版" id="{B2E4B9B4-4939-4ED4-B0EF-C3DA5D862633}">
-          <p14:sldIdLst>
-            <p14:sldId id="271"/>
-            <p14:sldId id="270"/>
+            <p14:sldId id="277"/>
           </p14:sldIdLst>
         </p14:section>
       </p14:sectionLst>
@@ -1848,20 +1822,6 @@
 </pc:chgInfo>
 </file>
 
-<file path=ppt/comments/comment1.xml><?xml version="1.0" encoding="utf-8"?>
-<p:cmLst xmlns:a="http://schemas.openxmlformats.org/drawingml/2006/main" xmlns:r="http://schemas.openxmlformats.org/officeDocument/2006/relationships" xmlns:p="http://schemas.openxmlformats.org/presentationml/2006/main">
-  <p:cm authorId="1" dt="2024-11-19T19:20:29.391" idx="3">
-    <p:pos x="10" y="10"/>
-    <p:text/>
-    <p:extLst>
-      <p:ext uri="{C676402C-5697-4E1C-873F-D02D1690AC5C}">
-        <p15:threadingInfo xmlns:p15="http://schemas.microsoft.com/office/powerpoint/2012/main" timeZoneBias="-480"/>
-      </p:ext>
-    </p:extLst>
-  </p:cm>
-</p:cmLst>
-</file>
-
 <file path=ppt/handoutMasters/handoutMaster1.xml><?xml version="1.0" encoding="utf-8"?>
 <p:handoutMaster xmlns:a="http://schemas.openxmlformats.org/drawingml/2006/main" xmlns:r="http://schemas.openxmlformats.org/officeDocument/2006/relationships" xmlns:p="http://schemas.openxmlformats.org/presentationml/2006/main">
   <p:cSld>
@@ -1948,7 +1908,7 @@
               <a:rPr lang="zh-TW" altLang="en-US" smtClean="0">
                 <a:ea typeface="標楷體" panose="03000509000000000000" pitchFamily="65" charset="-120"/>
               </a:rPr>
-              <a:t>2024/12/18</a:t>
+              <a:t>2024/12/19</a:t>
             </a:fld>
             <a:endParaRPr lang="zh-TW" altLang="en-US">
               <a:ea typeface="標楷體" panose="03000509000000000000" pitchFamily="65" charset="-120"/>
@@ -2126,7 +2086,7 @@
             <a:fld id="{2CB905C5-9D54-40E2-B40C-7996280CAB02}" type="datetimeFigureOut">
               <a:rPr lang="zh-TW" altLang="en-US" smtClean="0"/>
               <a:pPr/>
-              <a:t>2024/12/18</a:t>
+              <a:t>2024/12/19</a:t>
             </a:fld>
             <a:endParaRPr lang="zh-TW" altLang="en-US"/>
           </a:p>
@@ -2616,7 +2576,7 @@
           <a:p>
             <a:fld id="{0C0CC965-A63A-473D-BEFB-C8F9714D5269}" type="datetimeFigureOut">
               <a:rPr lang="zh-TW" altLang="en-US" smtClean="0"/>
-              <a:t>2024/12/18</a:t>
+              <a:t>2024/12/19</a:t>
             </a:fld>
             <a:endParaRPr lang="zh-TW" altLang="en-US"/>
           </a:p>
@@ -2784,7 +2744,7 @@
           <a:p>
             <a:fld id="{0C0CC965-A63A-473D-BEFB-C8F9714D5269}" type="datetimeFigureOut">
               <a:rPr lang="zh-TW" altLang="en-US" smtClean="0"/>
-              <a:t>2024/12/18</a:t>
+              <a:t>2024/12/19</a:t>
             </a:fld>
             <a:endParaRPr lang="zh-TW" altLang="en-US"/>
           </a:p>
@@ -2962,7 +2922,7 @@
           <a:p>
             <a:fld id="{0C0CC965-A63A-473D-BEFB-C8F9714D5269}" type="datetimeFigureOut">
               <a:rPr lang="zh-TW" altLang="en-US" smtClean="0"/>
-              <a:t>2024/12/18</a:t>
+              <a:t>2024/12/19</a:t>
             </a:fld>
             <a:endParaRPr lang="zh-TW" altLang="en-US"/>
           </a:p>
@@ -3157,7 +3117,7 @@
           <a:p>
             <a:fld id="{0C0CC965-A63A-473D-BEFB-C8F9714D5269}" type="datetimeFigureOut">
               <a:rPr lang="zh-TW" altLang="en-US" smtClean="0"/>
-              <a:t>2024/12/18</a:t>
+              <a:t>2024/12/19</a:t>
             </a:fld>
             <a:endParaRPr lang="zh-TW" altLang="en-US"/>
           </a:p>
@@ -3402,7 +3362,7 @@
           <a:p>
             <a:fld id="{0C0CC965-A63A-473D-BEFB-C8F9714D5269}" type="datetimeFigureOut">
               <a:rPr lang="zh-TW" altLang="en-US" smtClean="0"/>
-              <a:t>2024/12/18</a:t>
+              <a:t>2024/12/19</a:t>
             </a:fld>
             <a:endParaRPr lang="zh-TW" altLang="en-US"/>
           </a:p>
@@ -3631,7 +3591,7 @@
           <a:p>
             <a:fld id="{0C0CC965-A63A-473D-BEFB-C8F9714D5269}" type="datetimeFigureOut">
               <a:rPr lang="zh-TW" altLang="en-US" smtClean="0"/>
-              <a:t>2024/12/18</a:t>
+              <a:t>2024/12/19</a:t>
             </a:fld>
             <a:endParaRPr lang="zh-TW" altLang="en-US"/>
           </a:p>
@@ -3995,7 +3955,7 @@
           <a:p>
             <a:fld id="{0C0CC965-A63A-473D-BEFB-C8F9714D5269}" type="datetimeFigureOut">
               <a:rPr lang="zh-TW" altLang="en-US" smtClean="0"/>
-              <a:t>2024/12/18</a:t>
+              <a:t>2024/12/19</a:t>
             </a:fld>
             <a:endParaRPr lang="zh-TW" altLang="en-US"/>
           </a:p>
@@ -4112,7 +4072,7 @@
           <a:p>
             <a:fld id="{0C0CC965-A63A-473D-BEFB-C8F9714D5269}" type="datetimeFigureOut">
               <a:rPr lang="zh-TW" altLang="en-US" smtClean="0"/>
-              <a:t>2024/12/18</a:t>
+              <a:t>2024/12/19</a:t>
             </a:fld>
             <a:endParaRPr lang="zh-TW" altLang="en-US"/>
           </a:p>
@@ -4207,7 +4167,7 @@
           <a:p>
             <a:fld id="{0C0CC965-A63A-473D-BEFB-C8F9714D5269}" type="datetimeFigureOut">
               <a:rPr lang="zh-TW" altLang="en-US" smtClean="0"/>
-              <a:t>2024/12/18</a:t>
+              <a:t>2024/12/19</a:t>
             </a:fld>
             <a:endParaRPr lang="zh-TW" altLang="en-US"/>
           </a:p>
@@ -4482,7 +4442,7 @@
           <a:p>
             <a:fld id="{0C0CC965-A63A-473D-BEFB-C8F9714D5269}" type="datetimeFigureOut">
               <a:rPr lang="zh-TW" altLang="en-US" smtClean="0"/>
-              <a:t>2024/12/18</a:t>
+              <a:t>2024/12/19</a:t>
             </a:fld>
             <a:endParaRPr lang="zh-TW" altLang="en-US"/>
           </a:p>
@@ -4734,7 +4694,7 @@
           <a:p>
             <a:fld id="{0C0CC965-A63A-473D-BEFB-C8F9714D5269}" type="datetimeFigureOut">
               <a:rPr lang="zh-TW" altLang="en-US" smtClean="0"/>
-              <a:t>2024/12/18</a:t>
+              <a:t>2024/12/19</a:t>
             </a:fld>
             <a:endParaRPr lang="zh-TW" altLang="en-US"/>
           </a:p>
@@ -4948,7 +4908,7 @@
             <a:fld id="{0C0CC965-A63A-473D-BEFB-C8F9714D5269}" type="datetimeFigureOut">
               <a:rPr lang="zh-TW" altLang="en-US" smtClean="0"/>
               <a:pPr/>
-              <a:t>2024/12/18</a:t>
+              <a:t>2024/12/19</a:t>
             </a:fld>
             <a:endParaRPr lang="zh-TW" altLang="en-US"/>
           </a:p>
@@ -5484,21 +5444,24 @@
                 <a:spcPct val="125000"/>
               </a:lnSpc>
             </a:pPr>
+            <a:r>
+              <a:rPr lang="en-US" altLang="zh-TW" sz="4000" b="0" dirty="0"/>
+              <a:t>VGA</a:t>
+            </a:r>
             <a:br>
               <a:rPr lang="en-US" altLang="zh-TW" sz="4000" b="0" dirty="0"/>
             </a:br>
             <a:r>
               <a:rPr lang="en-US" altLang="zh-TW" sz="4000" b="0" dirty="0"/>
-              <a:t>VGA</a:t>
+              <a:t>HW5-1</a:t>
             </a:r>
             <a:br>
-              <a:rPr lang="en-US" altLang="zh-TW" sz="4000" b="0"/>
+              <a:rPr lang="en-US" altLang="zh-TW" sz="4000" b="0" dirty="0"/>
             </a:br>
             <a:r>
-              <a:rPr lang="en-US" altLang="zh-TW" sz="4000" b="0"/>
-              <a:t>HW5-1</a:t>
-            </a:r>
-            <a:endParaRPr lang="zh-TW" altLang="en-US" sz="4000" b="0" dirty="0"/>
+              <a:rPr lang="zh-TW" altLang="en-US" sz="4000" b="0" dirty="0"/>
+              <a:t>顯示矩形、三角形、圓形</a:t>
+            </a:r>
           </a:p>
         </p:txBody>
       </p:sp>
@@ -5659,2019 +5622,6 @@
 </p:sld>
 </file>
 
-<file path=ppt/slides/slide10.xml><?xml version="1.0" encoding="utf-8"?>
-<p:sld xmlns:a="http://schemas.openxmlformats.org/drawingml/2006/main" xmlns:r="http://schemas.openxmlformats.org/officeDocument/2006/relationships" xmlns:p="http://schemas.openxmlformats.org/presentationml/2006/main">
-  <p:cSld>
-    <p:spTree>
-      <p:nvGrpSpPr>
-        <p:cNvPr id="1" name=""/>
-        <p:cNvGrpSpPr/>
-        <p:nvPr/>
-      </p:nvGrpSpPr>
-      <p:grpSpPr>
-        <a:xfrm>
-          <a:off x="0" y="0"/>
-          <a:ext cx="0" cy="0"/>
-          <a:chOff x="0" y="0"/>
-          <a:chExt cx="0" cy="0"/>
-        </a:xfrm>
-      </p:grpSpPr>
-      <p:pic>
-        <p:nvPicPr>
-          <p:cNvPr id="5" name="內容版面配置區 4">
-            <a:extLst>
-              <a:ext uri="{FF2B5EF4-FFF2-40B4-BE49-F238E27FC236}">
-                <a16:creationId xmlns:a16="http://schemas.microsoft.com/office/drawing/2014/main" id="{8624BC02-E875-1085-798A-6BEDDCC90E86}"/>
-              </a:ext>
-            </a:extLst>
-          </p:cNvPr>
-          <p:cNvPicPr>
-            <a:picLocks noGrp="1" noChangeAspect="1"/>
-          </p:cNvPicPr>
-          <p:nvPr>
-            <p:ph idx="1"/>
-          </p:nvPr>
-        </p:nvPicPr>
-        <p:blipFill>
-          <a:blip r:embed="rId2"/>
-          <a:stretch>
-            <a:fillRect/>
-          </a:stretch>
-        </p:blipFill>
-        <p:spPr>
-          <a:xfrm>
-            <a:off x="838200" y="1546217"/>
-            <a:ext cx="6729210" cy="4416044"/>
-          </a:xfrm>
-          <a:ln w="19050">
-            <a:solidFill>
-              <a:srgbClr val="FF0000"/>
-            </a:solidFill>
-          </a:ln>
-        </p:spPr>
-      </p:pic>
-      <p:sp>
-        <p:nvSpPr>
-          <p:cNvPr id="3" name="標題 2">
-            <a:extLst>
-              <a:ext uri="{FF2B5EF4-FFF2-40B4-BE49-F238E27FC236}">
-                <a16:creationId xmlns:a16="http://schemas.microsoft.com/office/drawing/2014/main" id="{FD05F61D-D515-0282-5D9E-3657700F4FC3}"/>
-              </a:ext>
-            </a:extLst>
-          </p:cNvPr>
-          <p:cNvSpPr>
-            <a:spLocks noGrp="1"/>
-          </p:cNvSpPr>
-          <p:nvPr>
-            <p:ph type="title"/>
-          </p:nvPr>
-        </p:nvSpPr>
-        <p:spPr/>
-        <p:txBody>
-          <a:bodyPr/>
-          <a:lstStyle/>
-          <a:p>
-            <a:r>
-              <a:rPr lang="zh-TW" altLang="en-US" dirty="0"/>
-              <a:t>程式說明</a:t>
-            </a:r>
-            <a:r>
-              <a:rPr lang="en-US" altLang="zh-TW" dirty="0"/>
-              <a:t>(fsm-1)</a:t>
-            </a:r>
-            <a:endParaRPr lang="zh-TW" altLang="en-US" dirty="0"/>
-          </a:p>
-        </p:txBody>
-      </p:sp>
-      <p:sp>
-        <p:nvSpPr>
-          <p:cNvPr id="9" name="文字方塊 8">
-            <a:extLst>
-              <a:ext uri="{FF2B5EF4-FFF2-40B4-BE49-F238E27FC236}">
-                <a16:creationId xmlns:a16="http://schemas.microsoft.com/office/drawing/2014/main" id="{FD0F2175-049F-6129-D986-A6E43509C79B}"/>
-              </a:ext>
-            </a:extLst>
-          </p:cNvPr>
-          <p:cNvSpPr txBox="1"/>
-          <p:nvPr/>
-        </p:nvSpPr>
-        <p:spPr>
-          <a:xfrm>
-            <a:off x="7666684" y="1546217"/>
-            <a:ext cx="3687116" cy="3139321"/>
-          </a:xfrm>
-          <a:prstGeom prst="rect">
-            <a:avLst/>
-          </a:prstGeom>
-          <a:noFill/>
-        </p:spPr>
-        <p:txBody>
-          <a:bodyPr wrap="square" rtlCol="0">
-            <a:spAutoFit/>
-          </a:bodyPr>
-          <a:lstStyle/>
-          <a:p>
-            <a:pPr marL="285750" indent="-285750">
-              <a:buFont typeface="Arial" panose="020B0604020202020204" pitchFamily="34" charset="0"/>
-              <a:buChar char="•"/>
-            </a:pPr>
-            <a:r>
-              <a:rPr lang="en-US" altLang="zh-TW" dirty="0">
-                <a:latin typeface="Times New Roman" panose="02020603050405020304" pitchFamily="18" charset="0"/>
-                <a:ea typeface="標楷體" panose="03000509000000000000" pitchFamily="65" charset="-120"/>
-                <a:cs typeface="Times New Roman" panose="02020603050405020304" pitchFamily="18" charset="0"/>
-              </a:rPr>
-              <a:t>reset</a:t>
-            </a:r>
-            <a:r>
-              <a:rPr lang="zh-TW" altLang="en-US" dirty="0">
-                <a:latin typeface="Times New Roman" panose="02020603050405020304" pitchFamily="18" charset="0"/>
-                <a:ea typeface="標楷體" panose="03000509000000000000" pitchFamily="65" charset="-120"/>
-                <a:cs typeface="Times New Roman" panose="02020603050405020304" pitchFamily="18" charset="0"/>
-              </a:rPr>
-              <a:t>都會進到</a:t>
-            </a:r>
-            <a:r>
-              <a:rPr lang="en-US" altLang="zh-TW" dirty="0">
-                <a:latin typeface="Times New Roman" panose="02020603050405020304" pitchFamily="18" charset="0"/>
-                <a:ea typeface="標楷體" panose="03000509000000000000" pitchFamily="65" charset="-120"/>
-                <a:cs typeface="Times New Roman" panose="02020603050405020304" pitchFamily="18" charset="0"/>
-              </a:rPr>
-              <a:t>initial</a:t>
-            </a:r>
-          </a:p>
-          <a:p>
-            <a:pPr marL="285750" indent="-285750">
-              <a:buFont typeface="Arial" panose="020B0604020202020204" pitchFamily="34" charset="0"/>
-              <a:buChar char="•"/>
-            </a:pPr>
-            <a:r>
-              <a:rPr lang="zh-TW" altLang="en-US" dirty="0">
-                <a:latin typeface="Times New Roman" panose="02020603050405020304" pitchFamily="18" charset="0"/>
-                <a:ea typeface="標楷體" panose="03000509000000000000" pitchFamily="65" charset="-120"/>
-                <a:cs typeface="Times New Roman" panose="02020603050405020304" pitchFamily="18" charset="0"/>
-              </a:rPr>
-              <a:t>當左邊發球就進到右移</a:t>
-            </a:r>
-            <a:endParaRPr lang="en-US" altLang="zh-TW" dirty="0">
-              <a:latin typeface="Times New Roman" panose="02020603050405020304" pitchFamily="18" charset="0"/>
-              <a:ea typeface="標楷體" panose="03000509000000000000" pitchFamily="65" charset="-120"/>
-              <a:cs typeface="Times New Roman" panose="02020603050405020304" pitchFamily="18" charset="0"/>
-            </a:endParaRPr>
-          </a:p>
-          <a:p>
-            <a:pPr marL="285750" indent="-285750">
-              <a:buFont typeface="Arial" panose="020B0604020202020204" pitchFamily="34" charset="0"/>
-              <a:buChar char="•"/>
-            </a:pPr>
-            <a:r>
-              <a:rPr lang="zh-TW" altLang="en-US" dirty="0">
-                <a:latin typeface="Times New Roman" panose="02020603050405020304" pitchFamily="18" charset="0"/>
-                <a:ea typeface="標楷體" panose="03000509000000000000" pitchFamily="65" charset="-120"/>
-                <a:cs typeface="Times New Roman" panose="02020603050405020304" pitchFamily="18" charset="0"/>
-              </a:rPr>
-              <a:t>當右邊有接就進入左移，漏接或提早接都進入左邊贏</a:t>
-            </a:r>
-            <a:endParaRPr lang="en-US" altLang="zh-TW" dirty="0">
-              <a:latin typeface="Times New Roman" panose="02020603050405020304" pitchFamily="18" charset="0"/>
-              <a:ea typeface="標楷體" panose="03000509000000000000" pitchFamily="65" charset="-120"/>
-              <a:cs typeface="Times New Roman" panose="02020603050405020304" pitchFamily="18" charset="0"/>
-            </a:endParaRPr>
-          </a:p>
-          <a:p>
-            <a:pPr marL="285750" indent="-285750">
-              <a:buFont typeface="Arial" panose="020B0604020202020204" pitchFamily="34" charset="0"/>
-              <a:buChar char="•"/>
-            </a:pPr>
-            <a:r>
-              <a:rPr lang="zh-TW" altLang="en-US" dirty="0">
-                <a:latin typeface="Times New Roman" panose="02020603050405020304" pitchFamily="18" charset="0"/>
-                <a:ea typeface="標楷體" panose="03000509000000000000" pitchFamily="65" charset="-120"/>
-                <a:cs typeface="Times New Roman" panose="02020603050405020304" pitchFamily="18" charset="0"/>
-              </a:rPr>
-              <a:t>當左邊有接就進入右移，漏接或提早接都進入右邊贏</a:t>
-            </a:r>
-            <a:endParaRPr lang="en-US" altLang="zh-TW" dirty="0">
-              <a:latin typeface="Times New Roman" panose="02020603050405020304" pitchFamily="18" charset="0"/>
-              <a:ea typeface="標楷體" panose="03000509000000000000" pitchFamily="65" charset="-120"/>
-              <a:cs typeface="Times New Roman" panose="02020603050405020304" pitchFamily="18" charset="0"/>
-            </a:endParaRPr>
-          </a:p>
-          <a:p>
-            <a:pPr marL="285750" indent="-285750">
-              <a:buFont typeface="Arial" panose="020B0604020202020204" pitchFamily="34" charset="0"/>
-              <a:buChar char="•"/>
-            </a:pPr>
-            <a:r>
-              <a:rPr lang="zh-TW" altLang="en-US" dirty="0">
-                <a:latin typeface="Times New Roman" panose="02020603050405020304" pitchFamily="18" charset="0"/>
-                <a:ea typeface="標楷體" panose="03000509000000000000" pitchFamily="65" charset="-120"/>
-                <a:cs typeface="Times New Roman" panose="02020603050405020304" pitchFamily="18" charset="0"/>
-              </a:rPr>
-              <a:t>球移動是利用一直補</a:t>
-            </a:r>
-            <a:r>
-              <a:rPr lang="en-US" altLang="zh-TW" dirty="0">
-                <a:latin typeface="Times New Roman" panose="02020603050405020304" pitchFamily="18" charset="0"/>
-                <a:ea typeface="標楷體" panose="03000509000000000000" pitchFamily="65" charset="-120"/>
-                <a:cs typeface="Times New Roman" panose="02020603050405020304" pitchFamily="18" charset="0"/>
-              </a:rPr>
-              <a:t>0</a:t>
-            </a:r>
-            <a:r>
-              <a:rPr lang="zh-TW" altLang="en-US" dirty="0">
-                <a:latin typeface="Times New Roman" panose="02020603050405020304" pitchFamily="18" charset="0"/>
-                <a:ea typeface="標楷體" panose="03000509000000000000" pitchFamily="65" charset="-120"/>
-                <a:cs typeface="Times New Roman" panose="02020603050405020304" pitchFamily="18" charset="0"/>
-              </a:rPr>
-              <a:t>的方式</a:t>
-            </a:r>
-            <a:endParaRPr lang="en-US" altLang="zh-TW" dirty="0">
-              <a:latin typeface="Times New Roman" panose="02020603050405020304" pitchFamily="18" charset="0"/>
-              <a:ea typeface="標楷體" panose="03000509000000000000" pitchFamily="65" charset="-120"/>
-              <a:cs typeface="Times New Roman" panose="02020603050405020304" pitchFamily="18" charset="0"/>
-            </a:endParaRPr>
-          </a:p>
-          <a:p>
-            <a:pPr marL="285750" indent="-285750">
-              <a:buFont typeface="Arial" panose="020B0604020202020204" pitchFamily="34" charset="0"/>
-              <a:buChar char="•"/>
-            </a:pPr>
-            <a:endParaRPr lang="en-US" altLang="zh-TW" dirty="0">
-              <a:latin typeface="Times New Roman" panose="02020603050405020304" pitchFamily="18" charset="0"/>
-              <a:ea typeface="標楷體" panose="03000509000000000000" pitchFamily="65" charset="-120"/>
-              <a:cs typeface="Times New Roman" panose="02020603050405020304" pitchFamily="18" charset="0"/>
-            </a:endParaRPr>
-          </a:p>
-          <a:p>
-            <a:pPr marL="285750" indent="-285750">
-              <a:buFont typeface="Arial" panose="020B0604020202020204" pitchFamily="34" charset="0"/>
-              <a:buChar char="•"/>
-            </a:pPr>
-            <a:endParaRPr lang="en-US" altLang="zh-TW" dirty="0"/>
-          </a:p>
-          <a:p>
-            <a:pPr marL="285750" indent="-285750">
-              <a:buFont typeface="Arial" panose="020B0604020202020204" pitchFamily="34" charset="0"/>
-              <a:buChar char="•"/>
-            </a:pPr>
-            <a:endParaRPr lang="en-US" altLang="zh-TW" dirty="0"/>
-          </a:p>
-          <a:p>
-            <a:pPr marL="285750" indent="-285750">
-              <a:buFont typeface="Arial" panose="020B0604020202020204" pitchFamily="34" charset="0"/>
-              <a:buChar char="•"/>
-            </a:pPr>
-            <a:endParaRPr lang="zh-TW" altLang="en-US" dirty="0"/>
-          </a:p>
-        </p:txBody>
-      </p:sp>
-    </p:spTree>
-    <p:extLst>
-      <p:ext uri="{BB962C8B-B14F-4D97-AF65-F5344CB8AC3E}">
-        <p14:creationId xmlns:p14="http://schemas.microsoft.com/office/powerpoint/2010/main" val="876902503"/>
-      </p:ext>
-    </p:extLst>
-  </p:cSld>
-  <p:clrMapOvr>
-    <a:masterClrMapping/>
-  </p:clrMapOvr>
-</p:sld>
-</file>
-
-<file path=ppt/slides/slide11.xml><?xml version="1.0" encoding="utf-8"?>
-<p:sld xmlns:a="http://schemas.openxmlformats.org/drawingml/2006/main" xmlns:r="http://schemas.openxmlformats.org/officeDocument/2006/relationships" xmlns:p="http://schemas.openxmlformats.org/presentationml/2006/main">
-  <p:cSld>
-    <p:spTree>
-      <p:nvGrpSpPr>
-        <p:cNvPr id="1" name=""/>
-        <p:cNvGrpSpPr/>
-        <p:nvPr/>
-      </p:nvGrpSpPr>
-      <p:grpSpPr>
-        <a:xfrm>
-          <a:off x="0" y="0"/>
-          <a:ext cx="0" cy="0"/>
-          <a:chOff x="0" y="0"/>
-          <a:chExt cx="0" cy="0"/>
-        </a:xfrm>
-      </p:grpSpPr>
-      <p:sp>
-        <p:nvSpPr>
-          <p:cNvPr id="3" name="標題 2">
-            <a:extLst>
-              <a:ext uri="{FF2B5EF4-FFF2-40B4-BE49-F238E27FC236}">
-                <a16:creationId xmlns:a16="http://schemas.microsoft.com/office/drawing/2014/main" id="{F6B5C65D-3C37-D1D7-589D-8A33EE42FC08}"/>
-              </a:ext>
-            </a:extLst>
-          </p:cNvPr>
-          <p:cNvSpPr>
-            <a:spLocks noGrp="1"/>
-          </p:cNvSpPr>
-          <p:nvPr>
-            <p:ph type="title"/>
-          </p:nvPr>
-        </p:nvSpPr>
-        <p:spPr/>
-        <p:txBody>
-          <a:bodyPr/>
-          <a:lstStyle/>
-          <a:p>
-            <a:r>
-              <a:rPr lang="zh-TW" altLang="en-US" dirty="0"/>
-              <a:t>程式說明</a:t>
-            </a:r>
-            <a:r>
-              <a:rPr lang="en-US" altLang="zh-TW" dirty="0"/>
-              <a:t>(fsm-1)</a:t>
-            </a:r>
-            <a:endParaRPr lang="zh-TW" altLang="en-US" dirty="0"/>
-          </a:p>
-        </p:txBody>
-      </p:sp>
-      <p:pic>
-        <p:nvPicPr>
-          <p:cNvPr id="4" name="內容版面配置區 3">
-            <a:extLst>
-              <a:ext uri="{FF2B5EF4-FFF2-40B4-BE49-F238E27FC236}">
-                <a16:creationId xmlns:a16="http://schemas.microsoft.com/office/drawing/2014/main" id="{DD073385-1A15-E165-E514-4963E1D8E62E}"/>
-              </a:ext>
-            </a:extLst>
-          </p:cNvPr>
-          <p:cNvPicPr>
-            <a:picLocks noGrp="1" noChangeAspect="1"/>
-          </p:cNvPicPr>
-          <p:nvPr>
-            <p:ph idx="1"/>
-          </p:nvPr>
-        </p:nvPicPr>
-        <p:blipFill>
-          <a:blip r:embed="rId2"/>
-          <a:stretch>
-            <a:fillRect/>
-          </a:stretch>
-        </p:blipFill>
-        <p:spPr>
-          <a:xfrm>
-            <a:off x="838200" y="1272495"/>
-            <a:ext cx="3953427" cy="3943900"/>
-          </a:xfrm>
-          <a:prstGeom prst="rect">
-            <a:avLst/>
-          </a:prstGeom>
-          <a:ln w="19050">
-            <a:solidFill>
-              <a:srgbClr val="FF0000"/>
-            </a:solidFill>
-          </a:ln>
-        </p:spPr>
-      </p:pic>
-      <p:sp>
-        <p:nvSpPr>
-          <p:cNvPr id="5" name="文字方塊 4">
-            <a:extLst>
-              <a:ext uri="{FF2B5EF4-FFF2-40B4-BE49-F238E27FC236}">
-                <a16:creationId xmlns:a16="http://schemas.microsoft.com/office/drawing/2014/main" id="{1BEC66FA-437E-E867-03F7-531AB3C64823}"/>
-              </a:ext>
-            </a:extLst>
-          </p:cNvPr>
-          <p:cNvSpPr txBox="1"/>
-          <p:nvPr/>
-        </p:nvSpPr>
-        <p:spPr>
-          <a:xfrm>
-            <a:off x="5016790" y="1546217"/>
-            <a:ext cx="3687116" cy="1477328"/>
-          </a:xfrm>
-          <a:prstGeom prst="rect">
-            <a:avLst/>
-          </a:prstGeom>
-          <a:noFill/>
-        </p:spPr>
-        <p:txBody>
-          <a:bodyPr wrap="square" rtlCol="0">
-            <a:spAutoFit/>
-          </a:bodyPr>
-          <a:lstStyle/>
-          <a:p>
-            <a:pPr marL="285750" indent="-285750">
-              <a:buFont typeface="Arial" panose="020B0604020202020204" pitchFamily="34" charset="0"/>
-              <a:buChar char="•"/>
-            </a:pPr>
-            <a:r>
-              <a:rPr lang="zh-TW" altLang="en-US" dirty="0">
-                <a:latin typeface="Times New Roman" panose="02020603050405020304" pitchFamily="18" charset="0"/>
-                <a:ea typeface="標楷體" panose="03000509000000000000" pitchFamily="65" charset="-120"/>
-                <a:cs typeface="Times New Roman" panose="02020603050405020304" pitchFamily="18" charset="0"/>
-              </a:rPr>
-              <a:t>當分數到達四分回到</a:t>
-            </a:r>
-            <a:r>
-              <a:rPr lang="en-US" altLang="zh-TW" dirty="0">
-                <a:latin typeface="Times New Roman" panose="02020603050405020304" pitchFamily="18" charset="0"/>
-                <a:ea typeface="標楷體" panose="03000509000000000000" pitchFamily="65" charset="-120"/>
-                <a:cs typeface="Times New Roman" panose="02020603050405020304" pitchFamily="18" charset="0"/>
-              </a:rPr>
-              <a:t>initial</a:t>
-            </a:r>
-            <a:r>
-              <a:rPr lang="zh-TW" altLang="en-US" dirty="0">
-                <a:latin typeface="Times New Roman" panose="02020603050405020304" pitchFamily="18" charset="0"/>
-                <a:ea typeface="標楷體" panose="03000509000000000000" pitchFamily="65" charset="-120"/>
-                <a:cs typeface="Times New Roman" panose="02020603050405020304" pitchFamily="18" charset="0"/>
-              </a:rPr>
-              <a:t>，沒有則贏的發球</a:t>
-            </a:r>
-            <a:endParaRPr lang="en-US" altLang="zh-TW" dirty="0">
-              <a:latin typeface="Times New Roman" panose="02020603050405020304" pitchFamily="18" charset="0"/>
-              <a:ea typeface="標楷體" panose="03000509000000000000" pitchFamily="65" charset="-120"/>
-              <a:cs typeface="Times New Roman" panose="02020603050405020304" pitchFamily="18" charset="0"/>
-            </a:endParaRPr>
-          </a:p>
-          <a:p>
-            <a:pPr marL="285750" indent="-285750">
-              <a:buFont typeface="Arial" panose="020B0604020202020204" pitchFamily="34" charset="0"/>
-              <a:buChar char="•"/>
-            </a:pPr>
-            <a:endParaRPr lang="en-US" altLang="zh-TW" dirty="0"/>
-          </a:p>
-          <a:p>
-            <a:pPr marL="285750" indent="-285750">
-              <a:buFont typeface="Arial" panose="020B0604020202020204" pitchFamily="34" charset="0"/>
-              <a:buChar char="•"/>
-            </a:pPr>
-            <a:endParaRPr lang="en-US" altLang="zh-TW" dirty="0"/>
-          </a:p>
-          <a:p>
-            <a:pPr marL="285750" indent="-285750">
-              <a:buFont typeface="Arial" panose="020B0604020202020204" pitchFamily="34" charset="0"/>
-              <a:buChar char="•"/>
-            </a:pPr>
-            <a:endParaRPr lang="zh-TW" altLang="en-US" dirty="0"/>
-          </a:p>
-        </p:txBody>
-      </p:sp>
-    </p:spTree>
-    <p:extLst>
-      <p:ext uri="{BB962C8B-B14F-4D97-AF65-F5344CB8AC3E}">
-        <p14:creationId xmlns:p14="http://schemas.microsoft.com/office/powerpoint/2010/main" val="3134318743"/>
-      </p:ext>
-    </p:extLst>
-  </p:cSld>
-  <p:clrMapOvr>
-    <a:masterClrMapping/>
-  </p:clrMapOvr>
-</p:sld>
-</file>
-
-<file path=ppt/slides/slide12.xml><?xml version="1.0" encoding="utf-8"?>
-<p:sld xmlns:a="http://schemas.openxmlformats.org/drawingml/2006/main" xmlns:r="http://schemas.openxmlformats.org/officeDocument/2006/relationships" xmlns:p="http://schemas.openxmlformats.org/presentationml/2006/main">
-  <p:cSld>
-    <p:spTree>
-      <p:nvGrpSpPr>
-        <p:cNvPr id="1" name=""/>
-        <p:cNvGrpSpPr/>
-        <p:nvPr/>
-      </p:nvGrpSpPr>
-      <p:grpSpPr>
-        <a:xfrm>
-          <a:off x="0" y="0"/>
-          <a:ext cx="0" cy="0"/>
-          <a:chOff x="0" y="0"/>
-          <a:chExt cx="0" cy="0"/>
-        </a:xfrm>
-      </p:grpSpPr>
-      <p:sp>
-        <p:nvSpPr>
-          <p:cNvPr id="3" name="標題 2">
-            <a:extLst>
-              <a:ext uri="{FF2B5EF4-FFF2-40B4-BE49-F238E27FC236}">
-                <a16:creationId xmlns:a16="http://schemas.microsoft.com/office/drawing/2014/main" id="{0CFB8146-B845-BA2D-A9F2-0A0BF0398D19}"/>
-              </a:ext>
-            </a:extLst>
-          </p:cNvPr>
-          <p:cNvSpPr>
-            <a:spLocks noGrp="1"/>
-          </p:cNvSpPr>
-          <p:nvPr>
-            <p:ph type="title"/>
-          </p:nvPr>
-        </p:nvSpPr>
-        <p:spPr/>
-        <p:txBody>
-          <a:bodyPr/>
-          <a:lstStyle/>
-          <a:p>
-            <a:r>
-              <a:rPr lang="zh-TW" altLang="en-US" dirty="0"/>
-              <a:t>程式說明</a:t>
-            </a:r>
-          </a:p>
-        </p:txBody>
-      </p:sp>
-      <p:pic>
-        <p:nvPicPr>
-          <p:cNvPr id="8" name="內容版面配置區 7">
-            <a:extLst>
-              <a:ext uri="{FF2B5EF4-FFF2-40B4-BE49-F238E27FC236}">
-                <a16:creationId xmlns:a16="http://schemas.microsoft.com/office/drawing/2014/main" id="{785FBE96-0EB2-4648-AB27-5BC69E232195}"/>
-              </a:ext>
-            </a:extLst>
-          </p:cNvPr>
-          <p:cNvPicPr>
-            <a:picLocks noGrp="1" noChangeAspect="1"/>
-          </p:cNvPicPr>
-          <p:nvPr>
-            <p:ph idx="1"/>
-          </p:nvPr>
-        </p:nvPicPr>
-        <p:blipFill>
-          <a:blip r:embed="rId2"/>
-          <a:stretch>
-            <a:fillRect/>
-          </a:stretch>
-        </p:blipFill>
-        <p:spPr>
-          <a:xfrm>
-            <a:off x="838200" y="1214178"/>
-            <a:ext cx="4118763" cy="5037137"/>
-          </a:xfrm>
-          <a:prstGeom prst="rect">
-            <a:avLst/>
-          </a:prstGeom>
-        </p:spPr>
-      </p:pic>
-      <p:sp>
-        <p:nvSpPr>
-          <p:cNvPr id="9" name="文字方塊 8">
-            <a:extLst>
-              <a:ext uri="{FF2B5EF4-FFF2-40B4-BE49-F238E27FC236}">
-                <a16:creationId xmlns:a16="http://schemas.microsoft.com/office/drawing/2014/main" id="{BF25433D-1023-4A4E-B732-F0224095ADA2}"/>
-              </a:ext>
-            </a:extLst>
-          </p:cNvPr>
-          <p:cNvSpPr txBox="1"/>
-          <p:nvPr/>
-        </p:nvSpPr>
-        <p:spPr>
-          <a:xfrm>
-            <a:off x="5060332" y="1303621"/>
-            <a:ext cx="6293467" cy="3416320"/>
-          </a:xfrm>
-          <a:prstGeom prst="rect">
-            <a:avLst/>
-          </a:prstGeom>
-          <a:noFill/>
-        </p:spPr>
-        <p:txBody>
-          <a:bodyPr wrap="square" rtlCol="0">
-            <a:spAutoFit/>
-          </a:bodyPr>
-          <a:lstStyle/>
-          <a:p>
-            <a:pPr marL="285750" indent="-285750">
-              <a:buFont typeface="Arial" panose="020B0604020202020204" pitchFamily="34" charset="0"/>
-              <a:buChar char="•"/>
-            </a:pPr>
-            <a:r>
-              <a:rPr lang="zh-TW" altLang="en-US" dirty="0">
-                <a:latin typeface="Times New Roman" panose="02020603050405020304" pitchFamily="18" charset="0"/>
-                <a:ea typeface="標楷體" panose="03000509000000000000" pitchFamily="65" charset="-120"/>
-                <a:cs typeface="Times New Roman" panose="02020603050405020304" pitchFamily="18" charset="0"/>
-              </a:rPr>
-              <a:t>初始都是從左邊發球</a:t>
-            </a:r>
-            <a:endParaRPr lang="en-US" altLang="zh-TW" dirty="0">
-              <a:latin typeface="Times New Roman" panose="02020603050405020304" pitchFamily="18" charset="0"/>
-              <a:ea typeface="標楷體" panose="03000509000000000000" pitchFamily="65" charset="-120"/>
-              <a:cs typeface="Times New Roman" panose="02020603050405020304" pitchFamily="18" charset="0"/>
-            </a:endParaRPr>
-          </a:p>
-          <a:p>
-            <a:pPr marL="285750" indent="-285750">
-              <a:buFont typeface="Arial" panose="020B0604020202020204" pitchFamily="34" charset="0"/>
-              <a:buChar char="•"/>
-            </a:pPr>
-            <a:r>
-              <a:rPr lang="zh-TW" altLang="en-US" dirty="0">
-                <a:latin typeface="Times New Roman" panose="02020603050405020304" pitchFamily="18" charset="0"/>
-                <a:ea typeface="標楷體" panose="03000509000000000000" pitchFamily="65" charset="-120"/>
-                <a:cs typeface="Times New Roman" panose="02020603050405020304" pitchFamily="18" charset="0"/>
-              </a:rPr>
-              <a:t>移位的方式為補 </a:t>
-            </a:r>
-            <a:r>
-              <a:rPr lang="en-US" altLang="zh-TW" dirty="0">
-                <a:latin typeface="Times New Roman" panose="02020603050405020304" pitchFamily="18" charset="0"/>
-                <a:ea typeface="標楷體" panose="03000509000000000000" pitchFamily="65" charset="-120"/>
-                <a:cs typeface="Times New Roman" panose="02020603050405020304" pitchFamily="18" charset="0"/>
-              </a:rPr>
-              <a:t>0(</a:t>
-            </a:r>
-            <a:r>
-              <a:rPr lang="zh-TW" altLang="en-US" dirty="0">
-                <a:latin typeface="Times New Roman" panose="02020603050405020304" pitchFamily="18" charset="0"/>
-                <a:ea typeface="標楷體" panose="03000509000000000000" pitchFamily="65" charset="-120"/>
-                <a:cs typeface="Times New Roman" panose="02020603050405020304" pitchFamily="18" charset="0"/>
-              </a:rPr>
-              <a:t>左右移都是</a:t>
-            </a:r>
-            <a:r>
-              <a:rPr lang="en-US" altLang="zh-TW" dirty="0">
-                <a:latin typeface="Times New Roman" panose="02020603050405020304" pitchFamily="18" charset="0"/>
-                <a:ea typeface="標楷體" panose="03000509000000000000" pitchFamily="65" charset="-120"/>
-                <a:cs typeface="Times New Roman" panose="02020603050405020304" pitchFamily="18" charset="0"/>
-              </a:rPr>
-              <a:t>)</a:t>
-            </a:r>
-          </a:p>
-          <a:p>
-            <a:pPr marL="285750" indent="-285750">
-              <a:buFont typeface="Arial" panose="020B0604020202020204" pitchFamily="34" charset="0"/>
-              <a:buChar char="•"/>
-            </a:pPr>
-            <a:r>
-              <a:rPr lang="zh-TW" altLang="en-US" dirty="0">
-                <a:latin typeface="Times New Roman" panose="02020603050405020304" pitchFamily="18" charset="0"/>
-                <a:ea typeface="標楷體" panose="03000509000000000000" pitchFamily="65" charset="-120"/>
-                <a:cs typeface="Times New Roman" panose="02020603050405020304" pitchFamily="18" charset="0"/>
-              </a:rPr>
-              <a:t>計分狀態球要歸位</a:t>
-            </a:r>
-            <a:r>
-              <a:rPr lang="en-US" altLang="zh-TW" dirty="0">
-                <a:latin typeface="Times New Roman" panose="02020603050405020304" pitchFamily="18" charset="0"/>
-                <a:ea typeface="標楷體" panose="03000509000000000000" pitchFamily="65" charset="-120"/>
-                <a:cs typeface="Times New Roman" panose="02020603050405020304" pitchFamily="18" charset="0"/>
-              </a:rPr>
-              <a:t>(</a:t>
-            </a:r>
-            <a:r>
-              <a:rPr lang="zh-TW" altLang="en-US" dirty="0">
-                <a:latin typeface="Times New Roman" panose="02020603050405020304" pitchFamily="18" charset="0"/>
-                <a:ea typeface="標楷體" panose="03000509000000000000" pitchFamily="65" charset="-120"/>
-                <a:cs typeface="Times New Roman" panose="02020603050405020304" pitchFamily="18" charset="0"/>
-              </a:rPr>
-              <a:t>如果沒有歸位會有</a:t>
-            </a:r>
-            <a:r>
-              <a:rPr lang="en-US" altLang="zh-TW" dirty="0">
-                <a:latin typeface="Times New Roman" panose="02020603050405020304" pitchFamily="18" charset="0"/>
-                <a:ea typeface="標楷體" panose="03000509000000000000" pitchFamily="65" charset="-120"/>
-                <a:cs typeface="Times New Roman" panose="02020603050405020304" pitchFamily="18" charset="0"/>
-              </a:rPr>
-              <a:t>bug</a:t>
-            </a:r>
-            <a:r>
-              <a:rPr lang="zh-TW" altLang="en-US" dirty="0">
-                <a:latin typeface="Times New Roman" panose="02020603050405020304" pitchFamily="18" charset="0"/>
-                <a:ea typeface="標楷體" panose="03000509000000000000" pitchFamily="65" charset="-120"/>
-                <a:cs typeface="Times New Roman" panose="02020603050405020304" pitchFamily="18" charset="0"/>
-              </a:rPr>
-              <a:t>，會是計分的方式進入位移</a:t>
-            </a:r>
-            <a:r>
-              <a:rPr lang="en-US" altLang="zh-TW" dirty="0">
-                <a:latin typeface="Times New Roman" panose="02020603050405020304" pitchFamily="18" charset="0"/>
-                <a:ea typeface="標楷體" panose="03000509000000000000" pitchFamily="65" charset="-120"/>
-                <a:cs typeface="Times New Roman" panose="02020603050405020304" pitchFamily="18" charset="0"/>
-              </a:rPr>
-              <a:t>)</a:t>
-            </a:r>
-          </a:p>
-          <a:p>
-            <a:pPr marL="285750" indent="-285750">
-              <a:buFont typeface="Arial" panose="020B0604020202020204" pitchFamily="34" charset="0"/>
-              <a:buChar char="•"/>
-            </a:pPr>
-            <a:r>
-              <a:rPr lang="zh-TW" altLang="en-US" dirty="0">
-                <a:latin typeface="Times New Roman" panose="02020603050405020304" pitchFamily="18" charset="0"/>
-                <a:ea typeface="標楷體" panose="03000509000000000000" pitchFamily="65" charset="-120"/>
-                <a:cs typeface="Times New Roman" panose="02020603050405020304" pitchFamily="18" charset="0"/>
-              </a:rPr>
-              <a:t>可以用米粒機，前一狀態就先改變，但因為這裡使用的是低速的 </a:t>
-            </a:r>
-            <a:r>
-              <a:rPr lang="en-US" altLang="zh-TW" dirty="0" err="1">
-                <a:latin typeface="Times New Roman" panose="02020603050405020304" pitchFamily="18" charset="0"/>
-                <a:ea typeface="標楷體" panose="03000509000000000000" pitchFamily="65" charset="-120"/>
-                <a:cs typeface="Times New Roman" panose="02020603050405020304" pitchFamily="18" charset="0"/>
-              </a:rPr>
-              <a:t>clk</a:t>
-            </a:r>
-            <a:r>
-              <a:rPr lang="en-US" altLang="zh-TW" dirty="0">
-                <a:latin typeface="Times New Roman" panose="02020603050405020304" pitchFamily="18" charset="0"/>
-                <a:ea typeface="標楷體" panose="03000509000000000000" pitchFamily="65" charset="-120"/>
-                <a:cs typeface="Times New Roman" panose="02020603050405020304" pitchFamily="18" charset="0"/>
-              </a:rPr>
-              <a:t> </a:t>
-            </a:r>
-            <a:r>
-              <a:rPr lang="zh-TW" altLang="en-US" dirty="0">
-                <a:latin typeface="Times New Roman" panose="02020603050405020304" pitchFamily="18" charset="0"/>
-                <a:ea typeface="標楷體" panose="03000509000000000000" pitchFamily="65" charset="-120"/>
-                <a:cs typeface="Times New Roman" panose="02020603050405020304" pitchFamily="18" charset="0"/>
-              </a:rPr>
-              <a:t>，所以還是會有 </a:t>
-            </a:r>
-            <a:r>
-              <a:rPr lang="en-US" altLang="zh-TW" dirty="0">
-                <a:latin typeface="Times New Roman" panose="02020603050405020304" pitchFamily="18" charset="0"/>
-                <a:ea typeface="標楷體" panose="03000509000000000000" pitchFamily="65" charset="-120"/>
-                <a:cs typeface="Times New Roman" panose="02020603050405020304" pitchFamily="18" charset="0"/>
-              </a:rPr>
-              <a:t>bug </a:t>
-            </a:r>
-            <a:r>
-              <a:rPr lang="zh-TW" altLang="en-US" dirty="0">
-                <a:latin typeface="Times New Roman" panose="02020603050405020304" pitchFamily="18" charset="0"/>
-                <a:ea typeface="標楷體" panose="03000509000000000000" pitchFamily="65" charset="-120"/>
-                <a:cs typeface="Times New Roman" panose="02020603050405020304" pitchFamily="18" charset="0"/>
-              </a:rPr>
-              <a:t>，因為 </a:t>
-            </a:r>
-            <a:r>
-              <a:rPr lang="en-US" altLang="zh-TW" dirty="0" err="1">
-                <a:latin typeface="Times New Roman" panose="02020603050405020304" pitchFamily="18" charset="0"/>
-                <a:ea typeface="標楷體" panose="03000509000000000000" pitchFamily="65" charset="-120"/>
-                <a:cs typeface="Times New Roman" panose="02020603050405020304" pitchFamily="18" charset="0"/>
-              </a:rPr>
-              <a:t>fsm</a:t>
-            </a:r>
-            <a:r>
-              <a:rPr lang="en-US" altLang="zh-TW" dirty="0">
-                <a:latin typeface="Times New Roman" panose="02020603050405020304" pitchFamily="18" charset="0"/>
-                <a:ea typeface="標楷體" panose="03000509000000000000" pitchFamily="65" charset="-120"/>
-                <a:cs typeface="Times New Roman" panose="02020603050405020304" pitchFamily="18" charset="0"/>
-              </a:rPr>
-              <a:t> </a:t>
-            </a:r>
-            <a:r>
-              <a:rPr lang="zh-TW" altLang="en-US" dirty="0">
-                <a:latin typeface="Times New Roman" panose="02020603050405020304" pitchFamily="18" charset="0"/>
-                <a:ea typeface="標楷體" panose="03000509000000000000" pitchFamily="65" charset="-120"/>
-                <a:cs typeface="Times New Roman" panose="02020603050405020304" pitchFamily="18" charset="0"/>
-              </a:rPr>
-              <a:t>高速 </a:t>
-            </a:r>
-            <a:r>
-              <a:rPr lang="en-US" altLang="zh-TW" dirty="0" err="1">
-                <a:latin typeface="Times New Roman" panose="02020603050405020304" pitchFamily="18" charset="0"/>
-                <a:ea typeface="標楷體" panose="03000509000000000000" pitchFamily="65" charset="-120"/>
-                <a:cs typeface="Times New Roman" panose="02020603050405020304" pitchFamily="18" charset="0"/>
-              </a:rPr>
-              <a:t>clk</a:t>
-            </a:r>
-            <a:r>
-              <a:rPr lang="zh-TW" altLang="en-US" dirty="0">
-                <a:latin typeface="Times New Roman" panose="02020603050405020304" pitchFamily="18" charset="0"/>
-                <a:ea typeface="標楷體" panose="03000509000000000000" pitchFamily="65" charset="-120"/>
-                <a:cs typeface="Times New Roman" panose="02020603050405020304" pitchFamily="18" charset="0"/>
-              </a:rPr>
-              <a:t> 的關係在還沒判斷就進入下一狀態了，低速的 </a:t>
-            </a:r>
-            <a:r>
-              <a:rPr lang="en-US" altLang="zh-TW" dirty="0" err="1">
-                <a:latin typeface="Times New Roman" panose="02020603050405020304" pitchFamily="18" charset="0"/>
-                <a:ea typeface="標楷體" panose="03000509000000000000" pitchFamily="65" charset="-120"/>
-                <a:cs typeface="Times New Roman" panose="02020603050405020304" pitchFamily="18" charset="0"/>
-              </a:rPr>
-              <a:t>clk</a:t>
-            </a:r>
-            <a:r>
-              <a:rPr lang="en-US" altLang="zh-TW" dirty="0">
-                <a:latin typeface="Times New Roman" panose="02020603050405020304" pitchFamily="18" charset="0"/>
-                <a:ea typeface="標楷體" panose="03000509000000000000" pitchFamily="65" charset="-120"/>
-                <a:cs typeface="Times New Roman" panose="02020603050405020304" pitchFamily="18" charset="0"/>
-              </a:rPr>
-              <a:t> </a:t>
-            </a:r>
-            <a:r>
-              <a:rPr lang="zh-TW" altLang="en-US" dirty="0">
-                <a:latin typeface="Times New Roman" panose="02020603050405020304" pitchFamily="18" charset="0"/>
-                <a:ea typeface="標楷體" panose="03000509000000000000" pitchFamily="65" charset="-120"/>
-                <a:cs typeface="Times New Roman" panose="02020603050405020304" pitchFamily="18" charset="0"/>
-              </a:rPr>
-              <a:t>來不及</a:t>
-            </a:r>
-            <a:endParaRPr lang="en-US" altLang="zh-TW" dirty="0">
-              <a:latin typeface="Times New Roman" panose="02020603050405020304" pitchFamily="18" charset="0"/>
-              <a:ea typeface="標楷體" panose="03000509000000000000" pitchFamily="65" charset="-120"/>
-              <a:cs typeface="Times New Roman" panose="02020603050405020304" pitchFamily="18" charset="0"/>
-            </a:endParaRPr>
-          </a:p>
-          <a:p>
-            <a:pPr marL="285750" indent="-285750">
-              <a:buFont typeface="Arial" panose="020B0604020202020204" pitchFamily="34" charset="0"/>
-              <a:buChar char="•"/>
-            </a:pPr>
-            <a:r>
-              <a:rPr lang="zh-TW" altLang="en-US" dirty="0">
-                <a:latin typeface="Times New Roman" panose="02020603050405020304" pitchFamily="18" charset="0"/>
-                <a:ea typeface="標楷體" panose="03000509000000000000" pitchFamily="65" charset="-120"/>
-                <a:cs typeface="Times New Roman" panose="02020603050405020304" pitchFamily="18" charset="0"/>
-              </a:rPr>
-              <a:t>所以我用的方法為計分狀態時按按鈕可以顯示分數</a:t>
-            </a:r>
-            <a:endParaRPr lang="en-US" altLang="zh-TW" dirty="0">
-              <a:latin typeface="Times New Roman" panose="02020603050405020304" pitchFamily="18" charset="0"/>
-              <a:ea typeface="標楷體" panose="03000509000000000000" pitchFamily="65" charset="-120"/>
-              <a:cs typeface="Times New Roman" panose="02020603050405020304" pitchFamily="18" charset="0"/>
-            </a:endParaRPr>
-          </a:p>
-          <a:p>
-            <a:endParaRPr lang="en-US" altLang="zh-TW" dirty="0">
-              <a:latin typeface="Times New Roman" panose="02020603050405020304" pitchFamily="18" charset="0"/>
-              <a:ea typeface="標楷體" panose="03000509000000000000" pitchFamily="65" charset="-120"/>
-              <a:cs typeface="Times New Roman" panose="02020603050405020304" pitchFamily="18" charset="0"/>
-            </a:endParaRPr>
-          </a:p>
-          <a:p>
-            <a:pPr marL="285750" indent="-285750">
-              <a:buFont typeface="Arial" panose="020B0604020202020204" pitchFamily="34" charset="0"/>
-              <a:buChar char="•"/>
-            </a:pPr>
-            <a:endParaRPr lang="en-US" altLang="zh-TW" dirty="0"/>
-          </a:p>
-          <a:p>
-            <a:pPr marL="285750" indent="-285750">
-              <a:buFont typeface="Arial" panose="020B0604020202020204" pitchFamily="34" charset="0"/>
-              <a:buChar char="•"/>
-            </a:pPr>
-            <a:endParaRPr lang="en-US" altLang="zh-TW" dirty="0"/>
-          </a:p>
-          <a:p>
-            <a:pPr marL="285750" indent="-285750">
-              <a:buFont typeface="Arial" panose="020B0604020202020204" pitchFamily="34" charset="0"/>
-              <a:buChar char="•"/>
-            </a:pPr>
-            <a:endParaRPr lang="zh-TW" altLang="en-US" dirty="0"/>
-          </a:p>
-        </p:txBody>
-      </p:sp>
-    </p:spTree>
-    <p:extLst>
-      <p:ext uri="{BB962C8B-B14F-4D97-AF65-F5344CB8AC3E}">
-        <p14:creationId xmlns:p14="http://schemas.microsoft.com/office/powerpoint/2010/main" val="3330808286"/>
-      </p:ext>
-    </p:extLst>
-  </p:cSld>
-  <p:clrMapOvr>
-    <a:masterClrMapping/>
-  </p:clrMapOvr>
-</p:sld>
-</file>
-
-<file path=ppt/slides/slide13.xml><?xml version="1.0" encoding="utf-8"?>
-<p:sld xmlns:a="http://schemas.openxmlformats.org/drawingml/2006/main" xmlns:r="http://schemas.openxmlformats.org/officeDocument/2006/relationships" xmlns:p="http://schemas.openxmlformats.org/presentationml/2006/main">
-  <p:cSld>
-    <p:spTree>
-      <p:nvGrpSpPr>
-        <p:cNvPr id="1" name=""/>
-        <p:cNvGrpSpPr/>
-        <p:nvPr/>
-      </p:nvGrpSpPr>
-      <p:grpSpPr>
-        <a:xfrm>
-          <a:off x="0" y="0"/>
-          <a:ext cx="0" cy="0"/>
-          <a:chOff x="0" y="0"/>
-          <a:chExt cx="0" cy="0"/>
-        </a:xfrm>
-      </p:grpSpPr>
-      <p:pic>
-        <p:nvPicPr>
-          <p:cNvPr id="5" name="內容版面配置區 4">
-            <a:extLst>
-              <a:ext uri="{FF2B5EF4-FFF2-40B4-BE49-F238E27FC236}">
-                <a16:creationId xmlns:a16="http://schemas.microsoft.com/office/drawing/2014/main" id="{2267EE83-E692-4AF2-97DA-BC75573835A4}"/>
-              </a:ext>
-            </a:extLst>
-          </p:cNvPr>
-          <p:cNvPicPr>
-            <a:picLocks noGrp="1" noChangeAspect="1"/>
-          </p:cNvPicPr>
-          <p:nvPr>
-            <p:ph idx="1"/>
-          </p:nvPr>
-        </p:nvPicPr>
-        <p:blipFill>
-          <a:blip r:embed="rId2"/>
-          <a:stretch>
-            <a:fillRect/>
-          </a:stretch>
-        </p:blipFill>
-        <p:spPr>
-          <a:xfrm>
-            <a:off x="838200" y="1201738"/>
-            <a:ext cx="3925493" cy="5037137"/>
-          </a:xfrm>
-        </p:spPr>
-      </p:pic>
-      <p:sp>
-        <p:nvSpPr>
-          <p:cNvPr id="3" name="標題 2">
-            <a:extLst>
-              <a:ext uri="{FF2B5EF4-FFF2-40B4-BE49-F238E27FC236}">
-                <a16:creationId xmlns:a16="http://schemas.microsoft.com/office/drawing/2014/main" id="{682FDED6-6A4F-3F93-C985-83FCFFF0290E}"/>
-              </a:ext>
-            </a:extLst>
-          </p:cNvPr>
-          <p:cNvSpPr>
-            <a:spLocks noGrp="1"/>
-          </p:cNvSpPr>
-          <p:nvPr>
-            <p:ph type="title"/>
-          </p:nvPr>
-        </p:nvSpPr>
-        <p:spPr/>
-        <p:txBody>
-          <a:bodyPr/>
-          <a:lstStyle/>
-          <a:p>
-            <a:r>
-              <a:rPr lang="zh-TW" altLang="en-US" dirty="0"/>
-              <a:t>程式說明</a:t>
-            </a:r>
-          </a:p>
-        </p:txBody>
-      </p:sp>
-      <p:sp>
-        <p:nvSpPr>
-          <p:cNvPr id="6" name="文字方塊 5">
-            <a:extLst>
-              <a:ext uri="{FF2B5EF4-FFF2-40B4-BE49-F238E27FC236}">
-                <a16:creationId xmlns:a16="http://schemas.microsoft.com/office/drawing/2014/main" id="{D695EF48-7129-44B2-AB07-EA82A3877808}"/>
-              </a:ext>
-            </a:extLst>
-          </p:cNvPr>
-          <p:cNvSpPr txBox="1"/>
-          <p:nvPr/>
-        </p:nvSpPr>
-        <p:spPr>
-          <a:xfrm>
-            <a:off x="5060333" y="1303621"/>
-            <a:ext cx="3687116" cy="2031325"/>
-          </a:xfrm>
-          <a:prstGeom prst="rect">
-            <a:avLst/>
-          </a:prstGeom>
-          <a:noFill/>
-        </p:spPr>
-        <p:txBody>
-          <a:bodyPr wrap="square" rtlCol="0">
-            <a:spAutoFit/>
-          </a:bodyPr>
-          <a:lstStyle/>
-          <a:p>
-            <a:pPr marL="285750" indent="-285750">
-              <a:buFont typeface="Arial" panose="020B0604020202020204" pitchFamily="34" charset="0"/>
-              <a:buChar char="•"/>
-            </a:pPr>
-            <a:r>
-              <a:rPr lang="zh-TW" altLang="en-US" dirty="0">
-                <a:latin typeface="Times New Roman" panose="02020603050405020304" pitchFamily="18" charset="0"/>
-                <a:ea typeface="標楷體" panose="03000509000000000000" pitchFamily="65" charset="-120"/>
-                <a:cs typeface="Times New Roman" panose="02020603050405020304" pitchFamily="18" charset="0"/>
-              </a:rPr>
-              <a:t>因為只要加一次分就好，所以這邊使用前一個狀態如果是位移狀態就加分，否則不加</a:t>
-            </a:r>
-            <a:endParaRPr lang="en-US" altLang="zh-TW" dirty="0">
-              <a:latin typeface="Times New Roman" panose="02020603050405020304" pitchFamily="18" charset="0"/>
-              <a:ea typeface="標楷體" panose="03000509000000000000" pitchFamily="65" charset="-120"/>
-              <a:cs typeface="Times New Roman" panose="02020603050405020304" pitchFamily="18" charset="0"/>
-            </a:endParaRPr>
-          </a:p>
-          <a:p>
-            <a:pPr marL="285750" indent="-285750">
-              <a:buFont typeface="Arial" panose="020B0604020202020204" pitchFamily="34" charset="0"/>
-              <a:buChar char="•"/>
-            </a:pPr>
-            <a:r>
-              <a:rPr lang="zh-TW" altLang="en-US" dirty="0">
-                <a:latin typeface="Times New Roman" panose="02020603050405020304" pitchFamily="18" charset="0"/>
-                <a:ea typeface="標楷體" panose="03000509000000000000" pitchFamily="65" charset="-120"/>
-                <a:cs typeface="Times New Roman" panose="02020603050405020304" pitchFamily="18" charset="0"/>
-              </a:rPr>
-              <a:t>上述為老師提到的</a:t>
-            </a:r>
-            <a:r>
-              <a:rPr lang="en-US" altLang="zh-TW" dirty="0">
-                <a:latin typeface="Times New Roman" panose="02020603050405020304" pitchFamily="18" charset="0"/>
-                <a:ea typeface="標楷體" panose="03000509000000000000" pitchFamily="65" charset="-120"/>
-                <a:cs typeface="Times New Roman" panose="02020603050405020304" pitchFamily="18" charset="0"/>
-              </a:rPr>
-              <a:t>bug</a:t>
-            </a:r>
-          </a:p>
-          <a:p>
-            <a:pPr marL="285750" indent="-285750">
-              <a:buFont typeface="Arial" panose="020B0604020202020204" pitchFamily="34" charset="0"/>
-              <a:buChar char="•"/>
-            </a:pPr>
-            <a:endParaRPr lang="en-US" altLang="zh-TW" dirty="0"/>
-          </a:p>
-          <a:p>
-            <a:pPr marL="285750" indent="-285750">
-              <a:buFont typeface="Arial" panose="020B0604020202020204" pitchFamily="34" charset="0"/>
-              <a:buChar char="•"/>
-            </a:pPr>
-            <a:endParaRPr lang="en-US" altLang="zh-TW" dirty="0"/>
-          </a:p>
-          <a:p>
-            <a:pPr marL="285750" indent="-285750">
-              <a:buFont typeface="Arial" panose="020B0604020202020204" pitchFamily="34" charset="0"/>
-              <a:buChar char="•"/>
-            </a:pPr>
-            <a:endParaRPr lang="zh-TW" altLang="en-US" dirty="0"/>
-          </a:p>
-        </p:txBody>
-      </p:sp>
-    </p:spTree>
-    <p:extLst>
-      <p:ext uri="{BB962C8B-B14F-4D97-AF65-F5344CB8AC3E}">
-        <p14:creationId xmlns:p14="http://schemas.microsoft.com/office/powerpoint/2010/main" val="1948838132"/>
-      </p:ext>
-    </p:extLst>
-  </p:cSld>
-  <p:clrMapOvr>
-    <a:masterClrMapping/>
-  </p:clrMapOvr>
-</p:sld>
-</file>
-
-<file path=ppt/slides/slide14.xml><?xml version="1.0" encoding="utf-8"?>
-<p:sld xmlns:a="http://schemas.openxmlformats.org/drawingml/2006/main" xmlns:r="http://schemas.openxmlformats.org/officeDocument/2006/relationships" xmlns:p="http://schemas.openxmlformats.org/presentationml/2006/main">
-  <p:cSld>
-    <p:spTree>
-      <p:nvGrpSpPr>
-        <p:cNvPr id="1" name=""/>
-        <p:cNvGrpSpPr/>
-        <p:nvPr/>
-      </p:nvGrpSpPr>
-      <p:grpSpPr>
-        <a:xfrm>
-          <a:off x="0" y="0"/>
-          <a:ext cx="0" cy="0"/>
-          <a:chOff x="0" y="0"/>
-          <a:chExt cx="0" cy="0"/>
-        </a:xfrm>
-      </p:grpSpPr>
-      <p:pic>
-        <p:nvPicPr>
-          <p:cNvPr id="5" name="內容版面配置區 4">
-            <a:extLst>
-              <a:ext uri="{FF2B5EF4-FFF2-40B4-BE49-F238E27FC236}">
-                <a16:creationId xmlns:a16="http://schemas.microsoft.com/office/drawing/2014/main" id="{7F60DADB-FBA5-4508-9E78-3F697BBA99BE}"/>
-              </a:ext>
-            </a:extLst>
-          </p:cNvPr>
-          <p:cNvPicPr>
-            <a:picLocks noGrp="1" noChangeAspect="1"/>
-          </p:cNvPicPr>
-          <p:nvPr>
-            <p:ph idx="1"/>
-          </p:nvPr>
-        </p:nvPicPr>
-        <p:blipFill>
-          <a:blip r:embed="rId2"/>
-          <a:stretch>
-            <a:fillRect/>
-          </a:stretch>
-        </p:blipFill>
-        <p:spPr>
-          <a:xfrm>
-            <a:off x="838200" y="1302421"/>
-            <a:ext cx="2924583" cy="2695951"/>
-          </a:xfrm>
-        </p:spPr>
-      </p:pic>
-      <p:sp>
-        <p:nvSpPr>
-          <p:cNvPr id="3" name="標題 2">
-            <a:extLst>
-              <a:ext uri="{FF2B5EF4-FFF2-40B4-BE49-F238E27FC236}">
-                <a16:creationId xmlns:a16="http://schemas.microsoft.com/office/drawing/2014/main" id="{B3493532-0ABB-46B0-8A54-CD8DB015AD51}"/>
-              </a:ext>
-            </a:extLst>
-          </p:cNvPr>
-          <p:cNvSpPr>
-            <a:spLocks noGrp="1"/>
-          </p:cNvSpPr>
-          <p:nvPr>
-            <p:ph type="title"/>
-          </p:nvPr>
-        </p:nvSpPr>
-        <p:spPr/>
-        <p:txBody>
-          <a:bodyPr/>
-          <a:lstStyle/>
-          <a:p>
-            <a:r>
-              <a:rPr lang="zh-TW" altLang="en-US" dirty="0"/>
-              <a:t>程式說明</a:t>
-            </a:r>
-          </a:p>
-        </p:txBody>
-      </p:sp>
-      <p:sp>
-        <p:nvSpPr>
-          <p:cNvPr id="7" name="文字方塊 6">
-            <a:extLst>
-              <a:ext uri="{FF2B5EF4-FFF2-40B4-BE49-F238E27FC236}">
-                <a16:creationId xmlns:a16="http://schemas.microsoft.com/office/drawing/2014/main" id="{3D06855A-8512-4FE9-813F-8AB9611F663A}"/>
-              </a:ext>
-            </a:extLst>
-          </p:cNvPr>
-          <p:cNvSpPr txBox="1"/>
-          <p:nvPr/>
-        </p:nvSpPr>
-        <p:spPr>
-          <a:xfrm>
-            <a:off x="5060333" y="1303621"/>
-            <a:ext cx="3687116" cy="1200329"/>
-          </a:xfrm>
-          <a:prstGeom prst="rect">
-            <a:avLst/>
-          </a:prstGeom>
-          <a:noFill/>
-        </p:spPr>
-        <p:txBody>
-          <a:bodyPr wrap="square" rtlCol="0">
-            <a:spAutoFit/>
-          </a:bodyPr>
-          <a:lstStyle/>
-          <a:p>
-            <a:pPr marL="285750" indent="-285750">
-              <a:buFont typeface="Arial" panose="020B0604020202020204" pitchFamily="34" charset="0"/>
-              <a:buChar char="•"/>
-            </a:pPr>
-            <a:r>
-              <a:rPr lang="zh-TW" altLang="en-US" dirty="0">
-                <a:latin typeface="Times New Roman" panose="02020603050405020304" pitchFamily="18" charset="0"/>
-                <a:ea typeface="標楷體" panose="03000509000000000000" pitchFamily="65" charset="-120"/>
-                <a:cs typeface="Times New Roman" panose="02020603050405020304" pitchFamily="18" charset="0"/>
-              </a:rPr>
-              <a:t>變速球的部分我是利用改變</a:t>
-            </a:r>
-            <a:r>
-              <a:rPr lang="en-US" altLang="zh-TW" dirty="0">
-                <a:latin typeface="Times New Roman" panose="02020603050405020304" pitchFamily="18" charset="0"/>
-                <a:ea typeface="標楷體" panose="03000509000000000000" pitchFamily="65" charset="-120"/>
-                <a:cs typeface="Times New Roman" panose="02020603050405020304" pitchFamily="18" charset="0"/>
-              </a:rPr>
-              <a:t>div()</a:t>
-            </a:r>
-            <a:r>
-              <a:rPr lang="zh-TW" altLang="en-US" dirty="0">
-                <a:latin typeface="Times New Roman" panose="02020603050405020304" pitchFamily="18" charset="0"/>
-                <a:ea typeface="標楷體" panose="03000509000000000000" pitchFamily="65" charset="-120"/>
-                <a:cs typeface="Times New Roman" panose="02020603050405020304" pitchFamily="18" charset="0"/>
-              </a:rPr>
-              <a:t>括號裡的變數達成的，也就是除頻的大小差異變化</a:t>
-            </a:r>
-            <a:endParaRPr lang="en-US" altLang="zh-TW" dirty="0"/>
-          </a:p>
-          <a:p>
-            <a:pPr marL="285750" indent="-285750">
-              <a:buFont typeface="Arial" panose="020B0604020202020204" pitchFamily="34" charset="0"/>
-              <a:buChar char="•"/>
-            </a:pPr>
-            <a:endParaRPr lang="zh-TW" altLang="en-US" dirty="0"/>
-          </a:p>
-        </p:txBody>
-      </p:sp>
-    </p:spTree>
-    <p:extLst>
-      <p:ext uri="{BB962C8B-B14F-4D97-AF65-F5344CB8AC3E}">
-        <p14:creationId xmlns:p14="http://schemas.microsoft.com/office/powerpoint/2010/main" val="1299023531"/>
-      </p:ext>
-    </p:extLst>
-  </p:cSld>
-  <p:clrMapOvr>
-    <a:masterClrMapping/>
-  </p:clrMapOvr>
-</p:sld>
-</file>
-
-<file path=ppt/slides/slide15.xml><?xml version="1.0" encoding="utf-8"?>
-<p:sld xmlns:a="http://schemas.openxmlformats.org/drawingml/2006/main" xmlns:r="http://schemas.openxmlformats.org/officeDocument/2006/relationships" xmlns:p="http://schemas.openxmlformats.org/presentationml/2006/main">
-  <p:cSld>
-    <p:spTree>
-      <p:nvGrpSpPr>
-        <p:cNvPr id="1" name=""/>
-        <p:cNvGrpSpPr/>
-        <p:nvPr/>
-      </p:nvGrpSpPr>
-      <p:grpSpPr>
-        <a:xfrm>
-          <a:off x="0" y="0"/>
-          <a:ext cx="0" cy="0"/>
-          <a:chOff x="0" y="0"/>
-          <a:chExt cx="0" cy="0"/>
-        </a:xfrm>
-      </p:grpSpPr>
-      <p:pic>
-        <p:nvPicPr>
-          <p:cNvPr id="5" name="內容版面配置區 4">
-            <a:extLst>
-              <a:ext uri="{FF2B5EF4-FFF2-40B4-BE49-F238E27FC236}">
-                <a16:creationId xmlns:a16="http://schemas.microsoft.com/office/drawing/2014/main" id="{0D2F1D73-6B2E-419E-8610-C29CA2DEFE9B}"/>
-              </a:ext>
-            </a:extLst>
-          </p:cNvPr>
-          <p:cNvPicPr>
-            <a:picLocks noGrp="1" noChangeAspect="1"/>
-          </p:cNvPicPr>
-          <p:nvPr>
-            <p:ph idx="1"/>
-          </p:nvPr>
-        </p:nvPicPr>
-        <p:blipFill>
-          <a:blip r:embed="rId2"/>
-          <a:stretch>
-            <a:fillRect/>
-          </a:stretch>
-        </p:blipFill>
-        <p:spPr>
-          <a:xfrm>
-            <a:off x="838200" y="1226252"/>
-            <a:ext cx="4194354" cy="4957471"/>
-          </a:xfrm>
-          <a:ln w="19050">
-            <a:solidFill>
-              <a:srgbClr val="FF0000"/>
-            </a:solidFill>
-          </a:ln>
-        </p:spPr>
-      </p:pic>
-      <p:sp>
-        <p:nvSpPr>
-          <p:cNvPr id="3" name="標題 2">
-            <a:extLst>
-              <a:ext uri="{FF2B5EF4-FFF2-40B4-BE49-F238E27FC236}">
-                <a16:creationId xmlns:a16="http://schemas.microsoft.com/office/drawing/2014/main" id="{3D0ED350-5E5D-4CD5-A96E-CBC730DC6A20}"/>
-              </a:ext>
-            </a:extLst>
-          </p:cNvPr>
-          <p:cNvSpPr>
-            <a:spLocks noGrp="1"/>
-          </p:cNvSpPr>
-          <p:nvPr>
-            <p:ph type="title"/>
-          </p:nvPr>
-        </p:nvSpPr>
-        <p:spPr/>
-        <p:txBody>
-          <a:bodyPr/>
-          <a:lstStyle/>
-          <a:p>
-            <a:r>
-              <a:rPr lang="en-US" altLang="zh-TW" dirty="0"/>
-              <a:t>linting</a:t>
-            </a:r>
-            <a:endParaRPr lang="zh-TW" altLang="en-US" dirty="0"/>
-          </a:p>
-        </p:txBody>
-      </p:sp>
-      <p:pic>
-        <p:nvPicPr>
-          <p:cNvPr id="7" name="圖片 6">
-            <a:extLst>
-              <a:ext uri="{FF2B5EF4-FFF2-40B4-BE49-F238E27FC236}">
-                <a16:creationId xmlns:a16="http://schemas.microsoft.com/office/drawing/2014/main" id="{8CCF7109-5284-48E2-A495-96CD61CBDB4C}"/>
-              </a:ext>
-            </a:extLst>
-          </p:cNvPr>
-          <p:cNvPicPr>
-            <a:picLocks noChangeAspect="1"/>
-          </p:cNvPicPr>
-          <p:nvPr/>
-        </p:nvPicPr>
-        <p:blipFill>
-          <a:blip r:embed="rId3"/>
-          <a:stretch>
-            <a:fillRect/>
-          </a:stretch>
-        </p:blipFill>
-        <p:spPr>
-          <a:xfrm>
-            <a:off x="3125646" y="2402277"/>
-            <a:ext cx="7946680" cy="720001"/>
-          </a:xfrm>
-          <a:prstGeom prst="rect">
-            <a:avLst/>
-          </a:prstGeom>
-          <a:ln w="19050">
-            <a:solidFill>
-              <a:srgbClr val="FF0000"/>
-            </a:solidFill>
-          </a:ln>
-        </p:spPr>
-      </p:pic>
-      <p:pic>
-        <p:nvPicPr>
-          <p:cNvPr id="9" name="圖片 8">
-            <a:extLst>
-              <a:ext uri="{FF2B5EF4-FFF2-40B4-BE49-F238E27FC236}">
-                <a16:creationId xmlns:a16="http://schemas.microsoft.com/office/drawing/2014/main" id="{2C4987D9-98D4-4F97-B076-F811BB59C1D2}"/>
-              </a:ext>
-            </a:extLst>
-          </p:cNvPr>
-          <p:cNvPicPr>
-            <a:picLocks noChangeAspect="1"/>
-          </p:cNvPicPr>
-          <p:nvPr/>
-        </p:nvPicPr>
-        <p:blipFill>
-          <a:blip r:embed="rId4"/>
-          <a:stretch>
-            <a:fillRect/>
-          </a:stretch>
-        </p:blipFill>
-        <p:spPr>
-          <a:xfrm>
-            <a:off x="5144278" y="3732880"/>
-            <a:ext cx="5254312" cy="2419283"/>
-          </a:xfrm>
-          <a:prstGeom prst="rect">
-            <a:avLst/>
-          </a:prstGeom>
-          <a:ln w="19050">
-            <a:solidFill>
-              <a:srgbClr val="FF0000"/>
-            </a:solidFill>
-          </a:ln>
-        </p:spPr>
-      </p:pic>
-    </p:spTree>
-    <p:extLst>
-      <p:ext uri="{BB962C8B-B14F-4D97-AF65-F5344CB8AC3E}">
-        <p14:creationId xmlns:p14="http://schemas.microsoft.com/office/powerpoint/2010/main" val="1225873957"/>
-      </p:ext>
-    </p:extLst>
-  </p:cSld>
-  <p:clrMapOvr>
-    <a:masterClrMapping/>
-  </p:clrMapOvr>
-</p:sld>
-</file>
-
-<file path=ppt/slides/slide16.xml><?xml version="1.0" encoding="utf-8"?>
-<p:sld xmlns:a="http://schemas.openxmlformats.org/drawingml/2006/main" xmlns:r="http://schemas.openxmlformats.org/officeDocument/2006/relationships" xmlns:p="http://schemas.openxmlformats.org/presentationml/2006/main">
-  <p:cSld>
-    <p:spTree>
-      <p:nvGrpSpPr>
-        <p:cNvPr id="1" name=""/>
-        <p:cNvGrpSpPr/>
-        <p:nvPr/>
-      </p:nvGrpSpPr>
-      <p:grpSpPr>
-        <a:xfrm>
-          <a:off x="0" y="0"/>
-          <a:ext cx="0" cy="0"/>
-          <a:chOff x="0" y="0"/>
-          <a:chExt cx="0" cy="0"/>
-        </a:xfrm>
-      </p:grpSpPr>
-      <p:pic>
-        <p:nvPicPr>
-          <p:cNvPr id="5" name="內容版面配置區 4">
-            <a:extLst>
-              <a:ext uri="{FF2B5EF4-FFF2-40B4-BE49-F238E27FC236}">
-                <a16:creationId xmlns:a16="http://schemas.microsoft.com/office/drawing/2014/main" id="{61A2F986-E00F-40C8-98D2-C665C069AAA3}"/>
-              </a:ext>
-            </a:extLst>
-          </p:cNvPr>
-          <p:cNvPicPr>
-            <a:picLocks noGrp="1" noChangeAspect="1"/>
-          </p:cNvPicPr>
-          <p:nvPr>
-            <p:ph idx="1"/>
-          </p:nvPr>
-        </p:nvPicPr>
-        <p:blipFill>
-          <a:blip r:embed="rId2"/>
-          <a:stretch>
-            <a:fillRect/>
-          </a:stretch>
-        </p:blipFill>
-        <p:spPr>
-          <a:xfrm>
-            <a:off x="838200" y="1207958"/>
-            <a:ext cx="3648132" cy="5037137"/>
-          </a:xfrm>
-        </p:spPr>
-      </p:pic>
-      <p:sp>
-        <p:nvSpPr>
-          <p:cNvPr id="3" name="標題 2">
-            <a:extLst>
-              <a:ext uri="{FF2B5EF4-FFF2-40B4-BE49-F238E27FC236}">
-                <a16:creationId xmlns:a16="http://schemas.microsoft.com/office/drawing/2014/main" id="{C711B207-9982-4C45-ABDE-C1C3DD6800C8}"/>
-              </a:ext>
-            </a:extLst>
-          </p:cNvPr>
-          <p:cNvSpPr>
-            <a:spLocks noGrp="1"/>
-          </p:cNvSpPr>
-          <p:nvPr>
-            <p:ph type="title"/>
-          </p:nvPr>
-        </p:nvSpPr>
-        <p:spPr/>
-        <p:txBody>
-          <a:bodyPr/>
-          <a:lstStyle/>
-          <a:p>
-            <a:r>
-              <a:rPr lang="en-US" altLang="zh-TW" dirty="0"/>
-              <a:t>demo</a:t>
-            </a:r>
-            <a:endParaRPr lang="zh-TW" altLang="en-US" dirty="0"/>
-          </a:p>
-        </p:txBody>
-      </p:sp>
-      <p:sp>
-        <p:nvSpPr>
-          <p:cNvPr id="7" name="文字方塊 6">
-            <a:extLst>
-              <a:ext uri="{FF2B5EF4-FFF2-40B4-BE49-F238E27FC236}">
-                <a16:creationId xmlns:a16="http://schemas.microsoft.com/office/drawing/2014/main" id="{FD8A2375-587D-417E-A568-52555135065E}"/>
-              </a:ext>
-            </a:extLst>
-          </p:cNvPr>
-          <p:cNvSpPr txBox="1"/>
-          <p:nvPr/>
-        </p:nvSpPr>
-        <p:spPr>
-          <a:xfrm>
-            <a:off x="5060333" y="1303621"/>
-            <a:ext cx="4867438" cy="369332"/>
-          </a:xfrm>
-          <a:prstGeom prst="rect">
-            <a:avLst/>
-          </a:prstGeom>
-          <a:noFill/>
-        </p:spPr>
-        <p:txBody>
-          <a:bodyPr wrap="square" rtlCol="0">
-            <a:spAutoFit/>
-          </a:bodyPr>
-          <a:lstStyle/>
-          <a:p>
-            <a:pPr marL="285750" indent="-285750">
-              <a:buFont typeface="Arial" panose="020B0604020202020204" pitchFamily="34" charset="0"/>
-              <a:buChar char="•"/>
-            </a:pPr>
-            <a:r>
-              <a:rPr lang="en-US" altLang="zh-TW" dirty="0">
-                <a:hlinkClick r:id="rId3"/>
-              </a:rPr>
-              <a:t>https://youtube.com/shorts/HCbeNhxoVuM</a:t>
-            </a:r>
-            <a:endParaRPr lang="zh-TW" altLang="en-US" dirty="0"/>
-          </a:p>
-        </p:txBody>
-      </p:sp>
-    </p:spTree>
-    <p:extLst>
-      <p:ext uri="{BB962C8B-B14F-4D97-AF65-F5344CB8AC3E}">
-        <p14:creationId xmlns:p14="http://schemas.microsoft.com/office/powerpoint/2010/main" val="329013204"/>
-      </p:ext>
-    </p:extLst>
-  </p:cSld>
-  <p:clrMapOvr>
-    <a:masterClrMapping/>
-  </p:clrMapOvr>
-</p:sld>
-</file>
-
-<file path=ppt/slides/slide17.xml><?xml version="1.0" encoding="utf-8"?>
-<p:sld xmlns:a="http://schemas.openxmlformats.org/drawingml/2006/main" xmlns:r="http://schemas.openxmlformats.org/officeDocument/2006/relationships" xmlns:p="http://schemas.openxmlformats.org/presentationml/2006/main">
-  <p:cSld>
-    <p:spTree>
-      <p:nvGrpSpPr>
-        <p:cNvPr id="1" name=""/>
-        <p:cNvGrpSpPr/>
-        <p:nvPr/>
-      </p:nvGrpSpPr>
-      <p:grpSpPr>
-        <a:xfrm>
-          <a:off x="0" y="0"/>
-          <a:ext cx="0" cy="0"/>
-          <a:chOff x="0" y="0"/>
-          <a:chExt cx="0" cy="0"/>
-        </a:xfrm>
-      </p:grpSpPr>
-      <p:sp>
-        <p:nvSpPr>
-          <p:cNvPr id="3" name="標題 2">
-            <a:extLst>
-              <a:ext uri="{FF2B5EF4-FFF2-40B4-BE49-F238E27FC236}">
-                <a16:creationId xmlns:a16="http://schemas.microsoft.com/office/drawing/2014/main" id="{83165B05-C070-F00C-F853-A4990E6ECC41}"/>
-              </a:ext>
-            </a:extLst>
-          </p:cNvPr>
-          <p:cNvSpPr>
-            <a:spLocks noGrp="1"/>
-          </p:cNvSpPr>
-          <p:nvPr>
-            <p:ph type="title"/>
-          </p:nvPr>
-        </p:nvSpPr>
-        <p:spPr/>
-        <p:txBody>
-          <a:bodyPr/>
-          <a:lstStyle/>
-          <a:p>
-            <a:r>
-              <a:rPr lang="en-US" altLang="zh-TW" dirty="0"/>
-              <a:t>state assignment</a:t>
-            </a:r>
-            <a:endParaRPr lang="zh-TW" altLang="en-US" dirty="0"/>
-          </a:p>
-        </p:txBody>
-      </p:sp>
-      <p:pic>
-        <p:nvPicPr>
-          <p:cNvPr id="4" name="內容版面配置區 3">
-            <a:extLst>
-              <a:ext uri="{FF2B5EF4-FFF2-40B4-BE49-F238E27FC236}">
-                <a16:creationId xmlns:a16="http://schemas.microsoft.com/office/drawing/2014/main" id="{855C8BDA-68E4-789C-D252-BEC3EE4DFE7B}"/>
-              </a:ext>
-            </a:extLst>
-          </p:cNvPr>
-          <p:cNvPicPr>
-            <a:picLocks noGrp="1" noChangeAspect="1"/>
-          </p:cNvPicPr>
-          <p:nvPr>
-            <p:ph idx="1"/>
-          </p:nvPr>
-        </p:nvPicPr>
-        <p:blipFill>
-          <a:blip r:embed="rId2" cstate="print">
-            <a:extLst>
-              <a:ext uri="{28A0092B-C50C-407E-A947-70E740481C1C}">
-                <a14:useLocalDpi xmlns:a14="http://schemas.microsoft.com/office/drawing/2010/main" val="0"/>
-              </a:ext>
-            </a:extLst>
-          </a:blip>
-          <a:stretch>
-            <a:fillRect/>
-          </a:stretch>
-        </p:blipFill>
-        <p:spPr>
-          <a:xfrm>
-            <a:off x="2567937" y="1201738"/>
-            <a:ext cx="7056126" cy="5037137"/>
-          </a:xfrm>
-          <a:prstGeom prst="rect">
-            <a:avLst/>
-          </a:prstGeom>
-          <a:ln w="19050">
-            <a:solidFill>
-              <a:srgbClr val="FF0000"/>
-            </a:solidFill>
-          </a:ln>
-        </p:spPr>
-      </p:pic>
-      <p:sp>
-        <p:nvSpPr>
-          <p:cNvPr id="5" name="橢圓 4">
-            <a:extLst>
-              <a:ext uri="{FF2B5EF4-FFF2-40B4-BE49-F238E27FC236}">
-                <a16:creationId xmlns:a16="http://schemas.microsoft.com/office/drawing/2014/main" id="{65B78862-363E-EC47-0F97-1B0E394C364E}"/>
-              </a:ext>
-            </a:extLst>
-          </p:cNvPr>
-          <p:cNvSpPr/>
-          <p:nvPr/>
-        </p:nvSpPr>
-        <p:spPr>
-          <a:xfrm>
-            <a:off x="4627984" y="3890865"/>
-            <a:ext cx="494522" cy="485192"/>
-          </a:xfrm>
-          <a:prstGeom prst="ellipse">
-            <a:avLst/>
-          </a:prstGeom>
-          <a:noFill/>
-          <a:ln w="19050">
-            <a:solidFill>
-              <a:srgbClr val="FF0000"/>
-            </a:solidFill>
-          </a:ln>
-        </p:spPr>
-        <p:style>
-          <a:lnRef idx="2">
-            <a:schemeClr val="accent1">
-              <a:shade val="15000"/>
-            </a:schemeClr>
-          </a:lnRef>
-          <a:fillRef idx="1">
-            <a:schemeClr val="accent1"/>
-          </a:fillRef>
-          <a:effectRef idx="0">
-            <a:schemeClr val="accent1"/>
-          </a:effectRef>
-          <a:fontRef idx="minor">
-            <a:schemeClr val="lt1"/>
-          </a:fontRef>
-        </p:style>
-        <p:txBody>
-          <a:bodyPr rtlCol="0" anchor="ctr"/>
-          <a:lstStyle/>
-          <a:p>
-            <a:pPr algn="ctr"/>
-            <a:endParaRPr lang="zh-TW" altLang="en-US">
-              <a:ln>
-                <a:solidFill>
-                  <a:schemeClr val="tx1"/>
-                </a:solidFill>
-              </a:ln>
-            </a:endParaRPr>
-          </a:p>
-        </p:txBody>
-      </p:sp>
-      <p:sp>
-        <p:nvSpPr>
-          <p:cNvPr id="6" name="橢圓 5">
-            <a:extLst>
-              <a:ext uri="{FF2B5EF4-FFF2-40B4-BE49-F238E27FC236}">
-                <a16:creationId xmlns:a16="http://schemas.microsoft.com/office/drawing/2014/main" id="{E4019FA2-32F1-DFD3-B2DF-E89231F9C0DA}"/>
-              </a:ext>
-            </a:extLst>
-          </p:cNvPr>
-          <p:cNvSpPr/>
-          <p:nvPr/>
-        </p:nvSpPr>
-        <p:spPr>
-          <a:xfrm>
-            <a:off x="6691141" y="3890865"/>
-            <a:ext cx="494522" cy="485192"/>
-          </a:xfrm>
-          <a:prstGeom prst="ellipse">
-            <a:avLst/>
-          </a:prstGeom>
-          <a:noFill/>
-          <a:ln w="19050">
-            <a:solidFill>
-              <a:srgbClr val="FF0000"/>
-            </a:solidFill>
-          </a:ln>
-        </p:spPr>
-        <p:style>
-          <a:lnRef idx="2">
-            <a:schemeClr val="accent1">
-              <a:shade val="15000"/>
-            </a:schemeClr>
-          </a:lnRef>
-          <a:fillRef idx="1">
-            <a:schemeClr val="accent1"/>
-          </a:fillRef>
-          <a:effectRef idx="0">
-            <a:schemeClr val="accent1"/>
-          </a:effectRef>
-          <a:fontRef idx="minor">
-            <a:schemeClr val="lt1"/>
-          </a:fontRef>
-        </p:style>
-        <p:txBody>
-          <a:bodyPr rtlCol="0" anchor="ctr"/>
-          <a:lstStyle/>
-          <a:p>
-            <a:pPr algn="ctr"/>
-            <a:endParaRPr lang="zh-TW" altLang="en-US">
-              <a:ln>
-                <a:solidFill>
-                  <a:schemeClr val="tx1"/>
-                </a:solidFill>
-              </a:ln>
-            </a:endParaRPr>
-          </a:p>
-        </p:txBody>
-      </p:sp>
-      <p:sp>
-        <p:nvSpPr>
-          <p:cNvPr id="8" name="文字方塊 7">
-            <a:extLst>
-              <a:ext uri="{FF2B5EF4-FFF2-40B4-BE49-F238E27FC236}">
-                <a16:creationId xmlns:a16="http://schemas.microsoft.com/office/drawing/2014/main" id="{269FCEC7-9C9E-E23B-9748-D6550A5B6E13}"/>
-              </a:ext>
-            </a:extLst>
-          </p:cNvPr>
-          <p:cNvSpPr txBox="1"/>
-          <p:nvPr/>
-        </p:nvSpPr>
-        <p:spPr>
-          <a:xfrm>
-            <a:off x="6570389" y="3909526"/>
-            <a:ext cx="736026" cy="369332"/>
-          </a:xfrm>
-          <a:prstGeom prst="rect">
-            <a:avLst/>
-          </a:prstGeom>
-          <a:noFill/>
-        </p:spPr>
-        <p:txBody>
-          <a:bodyPr wrap="square" rtlCol="0">
-            <a:spAutoFit/>
-          </a:bodyPr>
-          <a:lstStyle/>
-          <a:p>
-            <a:r>
-              <a:rPr lang="zh-TW" altLang="en-US" dirty="0">
-                <a:latin typeface="標楷體" panose="03000509000000000000" pitchFamily="65" charset="-120"/>
-                <a:ea typeface="標楷體" panose="03000509000000000000" pitchFamily="65" charset="-120"/>
-              </a:rPr>
-              <a:t>復位</a:t>
-            </a:r>
-          </a:p>
-        </p:txBody>
-      </p:sp>
-      <p:sp>
-        <p:nvSpPr>
-          <p:cNvPr id="10" name="文字方塊 9">
-            <a:extLst>
-              <a:ext uri="{FF2B5EF4-FFF2-40B4-BE49-F238E27FC236}">
-                <a16:creationId xmlns:a16="http://schemas.microsoft.com/office/drawing/2014/main" id="{C1CBA4FA-C1F6-65B9-9756-B8BFE4EC8AE8}"/>
-              </a:ext>
-            </a:extLst>
-          </p:cNvPr>
-          <p:cNvSpPr txBox="1"/>
-          <p:nvPr/>
-        </p:nvSpPr>
-        <p:spPr>
-          <a:xfrm>
-            <a:off x="4507232" y="3909526"/>
-            <a:ext cx="736026" cy="369332"/>
-          </a:xfrm>
-          <a:prstGeom prst="rect">
-            <a:avLst/>
-          </a:prstGeom>
-          <a:noFill/>
-        </p:spPr>
-        <p:txBody>
-          <a:bodyPr wrap="square" rtlCol="0">
-            <a:spAutoFit/>
-          </a:bodyPr>
-          <a:lstStyle/>
-          <a:p>
-            <a:r>
-              <a:rPr lang="zh-TW" altLang="en-US" dirty="0">
-                <a:latin typeface="標楷體" panose="03000509000000000000" pitchFamily="65" charset="-120"/>
-                <a:ea typeface="標楷體" panose="03000509000000000000" pitchFamily="65" charset="-120"/>
-              </a:rPr>
-              <a:t>復位</a:t>
-            </a:r>
-          </a:p>
-        </p:txBody>
-      </p:sp>
-    </p:spTree>
-    <p:extLst>
-      <p:ext uri="{BB962C8B-B14F-4D97-AF65-F5344CB8AC3E}">
-        <p14:creationId xmlns:p14="http://schemas.microsoft.com/office/powerpoint/2010/main" val="2150109000"/>
-      </p:ext>
-    </p:extLst>
-  </p:cSld>
-  <p:clrMapOvr>
-    <a:masterClrMapping/>
-  </p:clrMapOvr>
-</p:sld>
-</file>
-
-<file path=ppt/slides/slide18.xml><?xml version="1.0" encoding="utf-8"?>
-<p:sld xmlns:a="http://schemas.openxmlformats.org/drawingml/2006/main" xmlns:r="http://schemas.openxmlformats.org/officeDocument/2006/relationships" xmlns:p="http://schemas.openxmlformats.org/presentationml/2006/main">
-  <p:cSld>
-    <p:spTree>
-      <p:nvGrpSpPr>
-        <p:cNvPr id="1" name=""/>
-        <p:cNvGrpSpPr/>
-        <p:nvPr/>
-      </p:nvGrpSpPr>
-      <p:grpSpPr>
-        <a:xfrm>
-          <a:off x="0" y="0"/>
-          <a:ext cx="0" cy="0"/>
-          <a:chOff x="0" y="0"/>
-          <a:chExt cx="0" cy="0"/>
-        </a:xfrm>
-      </p:grpSpPr>
-      <p:pic>
-        <p:nvPicPr>
-          <p:cNvPr id="5" name="內容版面配置區 4">
-            <a:extLst>
-              <a:ext uri="{FF2B5EF4-FFF2-40B4-BE49-F238E27FC236}">
-                <a16:creationId xmlns:a16="http://schemas.microsoft.com/office/drawing/2014/main" id="{2A7DE076-8634-6E87-9C0B-3F41779D2CEE}"/>
-              </a:ext>
-            </a:extLst>
-          </p:cNvPr>
-          <p:cNvPicPr>
-            <a:picLocks noGrp="1" noChangeAspect="1"/>
-          </p:cNvPicPr>
-          <p:nvPr>
-            <p:ph idx="1"/>
-          </p:nvPr>
-        </p:nvPicPr>
-        <p:blipFill>
-          <a:blip r:embed="rId2"/>
-          <a:stretch>
-            <a:fillRect/>
-          </a:stretch>
-        </p:blipFill>
-        <p:spPr>
-          <a:xfrm>
-            <a:off x="838200" y="1391314"/>
-            <a:ext cx="5468113" cy="4639322"/>
-          </a:xfrm>
-        </p:spPr>
-      </p:pic>
-      <p:sp>
-        <p:nvSpPr>
-          <p:cNvPr id="3" name="標題 2">
-            <a:extLst>
-              <a:ext uri="{FF2B5EF4-FFF2-40B4-BE49-F238E27FC236}">
-                <a16:creationId xmlns:a16="http://schemas.microsoft.com/office/drawing/2014/main" id="{C3C9F8DD-1DB4-D5F8-60B8-021927B37E81}"/>
-              </a:ext>
-            </a:extLst>
-          </p:cNvPr>
-          <p:cNvSpPr>
-            <a:spLocks noGrp="1"/>
-          </p:cNvSpPr>
-          <p:nvPr>
-            <p:ph type="title"/>
-          </p:nvPr>
-        </p:nvSpPr>
-        <p:spPr/>
-        <p:txBody>
-          <a:bodyPr/>
-          <a:lstStyle/>
-          <a:p>
-            <a:r>
-              <a:rPr lang="zh-TW" altLang="en-US" dirty="0"/>
-              <a:t>程式片段</a:t>
-            </a:r>
-          </a:p>
-        </p:txBody>
-      </p:sp>
-      <p:sp>
-        <p:nvSpPr>
-          <p:cNvPr id="6" name="文字方塊 5">
-            <a:extLst>
-              <a:ext uri="{FF2B5EF4-FFF2-40B4-BE49-F238E27FC236}">
-                <a16:creationId xmlns:a16="http://schemas.microsoft.com/office/drawing/2014/main" id="{B4904FC2-8F68-D573-2458-32833A6B747B}"/>
-              </a:ext>
-            </a:extLst>
-          </p:cNvPr>
-          <p:cNvSpPr txBox="1"/>
-          <p:nvPr/>
-        </p:nvSpPr>
-        <p:spPr>
-          <a:xfrm>
-            <a:off x="6441264" y="1391314"/>
-            <a:ext cx="4912536" cy="2031325"/>
-          </a:xfrm>
-          <a:prstGeom prst="rect">
-            <a:avLst/>
-          </a:prstGeom>
-          <a:noFill/>
-        </p:spPr>
-        <p:txBody>
-          <a:bodyPr wrap="square" rtlCol="0">
-            <a:spAutoFit/>
-          </a:bodyPr>
-          <a:lstStyle/>
-          <a:p>
-            <a:pPr marL="285750" indent="-285750">
-              <a:buFont typeface="Arial" panose="020B0604020202020204" pitchFamily="34" charset="0"/>
-              <a:buChar char="•"/>
-            </a:pPr>
-            <a:r>
-              <a:rPr lang="zh-TW" altLang="en-US" dirty="0">
-                <a:latin typeface="Times New Roman" panose="02020603050405020304" pitchFamily="18" charset="0"/>
-                <a:ea typeface="標楷體" panose="03000509000000000000" pitchFamily="65" charset="-120"/>
-                <a:cs typeface="Times New Roman" panose="02020603050405020304" pitchFamily="18" charset="0"/>
-              </a:rPr>
-              <a:t>我直接多寫兩個狀態讓球復位，不過這種方法是在低速</a:t>
-            </a:r>
-            <a:r>
-              <a:rPr lang="en-US" altLang="zh-TW" dirty="0" err="1">
-                <a:latin typeface="Times New Roman" panose="02020603050405020304" pitchFamily="18" charset="0"/>
-                <a:ea typeface="標楷體" panose="03000509000000000000" pitchFamily="65" charset="-120"/>
-                <a:cs typeface="Times New Roman" panose="02020603050405020304" pitchFamily="18" charset="0"/>
-              </a:rPr>
-              <a:t>clk</a:t>
-            </a:r>
-            <a:endParaRPr lang="en-US" altLang="zh-TW" dirty="0">
-              <a:latin typeface="Times New Roman" panose="02020603050405020304" pitchFamily="18" charset="0"/>
-              <a:ea typeface="標楷體" panose="03000509000000000000" pitchFamily="65" charset="-120"/>
-              <a:cs typeface="Times New Roman" panose="02020603050405020304" pitchFamily="18" charset="0"/>
-            </a:endParaRPr>
-          </a:p>
-          <a:p>
-            <a:pPr marL="285750" indent="-285750">
-              <a:buFont typeface="Arial" panose="020B0604020202020204" pitchFamily="34" charset="0"/>
-              <a:buChar char="•"/>
-            </a:pPr>
-            <a:r>
-              <a:rPr lang="zh-TW" altLang="en-US" dirty="0">
-                <a:latin typeface="Times New Roman" panose="02020603050405020304" pitchFamily="18" charset="0"/>
-                <a:ea typeface="標楷體" panose="03000509000000000000" pitchFamily="65" charset="-120"/>
-                <a:cs typeface="Times New Roman" panose="02020603050405020304" pitchFamily="18" charset="0"/>
-              </a:rPr>
-              <a:t>還有一種是利用高速</a:t>
-            </a:r>
-            <a:r>
-              <a:rPr lang="en-US" altLang="zh-TW" dirty="0" err="1">
-                <a:latin typeface="Times New Roman" panose="02020603050405020304" pitchFamily="18" charset="0"/>
-                <a:ea typeface="標楷體" panose="03000509000000000000" pitchFamily="65" charset="-120"/>
-                <a:cs typeface="Times New Roman" panose="02020603050405020304" pitchFamily="18" charset="0"/>
-              </a:rPr>
-              <a:t>clk</a:t>
-            </a:r>
-            <a:r>
-              <a:rPr lang="zh-TW" altLang="en-US" dirty="0">
-                <a:latin typeface="Times New Roman" panose="02020603050405020304" pitchFamily="18" charset="0"/>
-                <a:ea typeface="標楷體" panose="03000509000000000000" pitchFamily="65" charset="-120"/>
-                <a:cs typeface="Times New Roman" panose="02020603050405020304" pitchFamily="18" charset="0"/>
-              </a:rPr>
-              <a:t>來做，就是再多寫一個</a:t>
-            </a:r>
-            <a:r>
-              <a:rPr lang="en-US" altLang="zh-TW" dirty="0">
-                <a:latin typeface="Times New Roman" panose="02020603050405020304" pitchFamily="18" charset="0"/>
-                <a:ea typeface="標楷體" panose="03000509000000000000" pitchFamily="65" charset="-120"/>
-                <a:cs typeface="Times New Roman" panose="02020603050405020304" pitchFamily="18" charset="0"/>
-              </a:rPr>
-              <a:t> process </a:t>
-            </a:r>
-            <a:r>
-              <a:rPr lang="zh-TW" altLang="en-US" dirty="0">
-                <a:latin typeface="Times New Roman" panose="02020603050405020304" pitchFamily="18" charset="0"/>
-                <a:ea typeface="標楷體" panose="03000509000000000000" pitchFamily="65" charset="-120"/>
-                <a:cs typeface="Times New Roman" panose="02020603050405020304" pitchFamily="18" charset="0"/>
-              </a:rPr>
-              <a:t>裡面控制 </a:t>
-            </a:r>
-            <a:r>
-              <a:rPr lang="en-US" altLang="zh-TW" dirty="0">
-                <a:latin typeface="Times New Roman" panose="02020603050405020304" pitchFamily="18" charset="0"/>
-                <a:ea typeface="標楷體" panose="03000509000000000000" pitchFamily="65" charset="-120"/>
-                <a:cs typeface="Times New Roman" panose="02020603050405020304" pitchFamily="18" charset="0"/>
-              </a:rPr>
-              <a:t>mask</a:t>
-            </a:r>
-            <a:r>
-              <a:rPr lang="zh-TW" altLang="en-US" dirty="0">
-                <a:latin typeface="Times New Roman" panose="02020603050405020304" pitchFamily="18" charset="0"/>
-                <a:ea typeface="標楷體" panose="03000509000000000000" pitchFamily="65" charset="-120"/>
-                <a:cs typeface="Times New Roman" panose="02020603050405020304" pitchFamily="18" charset="0"/>
-              </a:rPr>
-              <a:t> 與 </a:t>
-            </a:r>
-            <a:r>
-              <a:rPr lang="en-US" altLang="zh-TW" dirty="0">
-                <a:latin typeface="Times New Roman" panose="02020603050405020304" pitchFamily="18" charset="0"/>
-                <a:ea typeface="標楷體" panose="03000509000000000000" pitchFamily="65" charset="-120"/>
-                <a:cs typeface="Times New Roman" panose="02020603050405020304" pitchFamily="18" charset="0"/>
-              </a:rPr>
-              <a:t>ball </a:t>
-            </a:r>
-            <a:r>
-              <a:rPr lang="zh-TW" altLang="en-US" dirty="0">
-                <a:latin typeface="Times New Roman" panose="02020603050405020304" pitchFamily="18" charset="0"/>
-                <a:ea typeface="標楷體" panose="03000509000000000000" pitchFamily="65" charset="-120"/>
-                <a:cs typeface="Times New Roman" panose="02020603050405020304" pitchFamily="18" charset="0"/>
-              </a:rPr>
-              <a:t>去做邏輯運算，讓球復位，在前一狀態就先把球復位，符合米粒機</a:t>
-            </a:r>
-            <a:endParaRPr lang="en-US" altLang="zh-TW" dirty="0"/>
-          </a:p>
-          <a:p>
-            <a:pPr marL="285750" indent="-285750">
-              <a:buFont typeface="Arial" panose="020B0604020202020204" pitchFamily="34" charset="0"/>
-              <a:buChar char="•"/>
-            </a:pPr>
-            <a:endParaRPr lang="zh-TW" altLang="en-US" dirty="0"/>
-          </a:p>
-        </p:txBody>
-      </p:sp>
-    </p:spTree>
-    <p:extLst>
-      <p:ext uri="{BB962C8B-B14F-4D97-AF65-F5344CB8AC3E}">
-        <p14:creationId xmlns:p14="http://schemas.microsoft.com/office/powerpoint/2010/main" val="4107515461"/>
-      </p:ext>
-    </p:extLst>
-  </p:cSld>
-  <p:clrMapOvr>
-    <a:masterClrMapping/>
-  </p:clrMapOvr>
-</p:sld>
-</file>
-
 <file path=ppt/slides/slide2.xml><?xml version="1.0" encoding="utf-8"?>
 <p:sld xmlns:a="http://schemas.openxmlformats.org/drawingml/2006/main" xmlns:r="http://schemas.openxmlformats.org/officeDocument/2006/relationships" xmlns:p="http://schemas.openxmlformats.org/presentationml/2006/main">
   <p:cSld>
@@ -7713,19 +5663,29 @@
           <a:lstStyle/>
           <a:p>
             <a:r>
-              <a:rPr lang="en-US" altLang="zh-TW" sz="4000" dirty="0"/>
+              <a:rPr lang="zh-TW" altLang="en-US" sz="2400" dirty="0"/>
+              <a:t>實作目標</a:t>
+            </a:r>
+            <a:r>
+              <a:rPr lang="en-US" altLang="zh-TW" sz="2400" dirty="0"/>
+              <a:t>:</a:t>
+            </a:r>
+          </a:p>
+          <a:p>
+            <a:r>
+              <a:rPr lang="en-US" altLang="zh-TW" sz="2400" dirty="0"/>
               <a:t>640*480</a:t>
             </a:r>
           </a:p>
           <a:p>
             <a:r>
-              <a:rPr lang="en-US" altLang="zh-TW" sz="4000" dirty="0"/>
+              <a:rPr lang="en-US" altLang="zh-TW" sz="2400" dirty="0"/>
               <a:t>60hz</a:t>
             </a:r>
           </a:p>
           <a:p>
             <a:r>
-              <a:rPr lang="zh-TW" altLang="en-US" sz="4000" dirty="0"/>
+              <a:rPr lang="zh-TW" altLang="en-US" sz="2400" dirty="0"/>
               <a:t>顯示矩形、圓形等圖案。</a:t>
             </a:r>
           </a:p>
@@ -7792,31 +5752,6 @@
       </p:grpSpPr>
       <p:sp>
         <p:nvSpPr>
-          <p:cNvPr id="2" name="內容版面配置區 1">
-            <a:extLst>
-              <a:ext uri="{FF2B5EF4-FFF2-40B4-BE49-F238E27FC236}">
-                <a16:creationId xmlns:a16="http://schemas.microsoft.com/office/drawing/2014/main" id="{5C3A0708-132B-55DF-F440-E684391DF064}"/>
-              </a:ext>
-            </a:extLst>
-          </p:cNvPr>
-          <p:cNvSpPr>
-            <a:spLocks noGrp="1"/>
-          </p:cNvSpPr>
-          <p:nvPr>
-            <p:ph idx="1"/>
-          </p:nvPr>
-        </p:nvSpPr>
-        <p:spPr/>
-        <p:txBody>
-          <a:bodyPr/>
-          <a:lstStyle/>
-          <a:p>
-            <a:endParaRPr lang="zh-TW" altLang="en-US"/>
-          </a:p>
-        </p:txBody>
-      </p:sp>
-      <p:sp>
-        <p:nvSpPr>
           <p:cNvPr id="3" name="標題 2">
             <a:extLst>
               <a:ext uri="{FF2B5EF4-FFF2-40B4-BE49-F238E27FC236}">
@@ -7840,6 +5775,247 @@
               <a:rPr lang="zh-TW" altLang="en-US" dirty="0"/>
               <a:t>程式片段</a:t>
             </a:r>
+          </a:p>
+        </p:txBody>
+      </p:sp>
+      <p:pic>
+        <p:nvPicPr>
+          <p:cNvPr id="5" name="圖片 4">
+            <a:extLst>
+              <a:ext uri="{FF2B5EF4-FFF2-40B4-BE49-F238E27FC236}">
+                <a16:creationId xmlns:a16="http://schemas.microsoft.com/office/drawing/2014/main" id="{EA7CB4E1-3E9A-44A9-A936-477CD323BFF9}"/>
+              </a:ext>
+            </a:extLst>
+          </p:cNvPr>
+          <p:cNvPicPr>
+            <a:picLocks noChangeAspect="1"/>
+          </p:cNvPicPr>
+          <p:nvPr/>
+        </p:nvPicPr>
+        <p:blipFill>
+          <a:blip r:embed="rId2"/>
+          <a:stretch>
+            <a:fillRect/>
+          </a:stretch>
+        </p:blipFill>
+        <p:spPr>
+          <a:xfrm>
+            <a:off x="838200" y="1254492"/>
+            <a:ext cx="4191585" cy="2619741"/>
+          </a:xfrm>
+          <a:prstGeom prst="rect">
+            <a:avLst/>
+          </a:prstGeom>
+        </p:spPr>
+      </p:pic>
+      <p:sp>
+        <p:nvSpPr>
+          <p:cNvPr id="6" name="文字方塊 5">
+            <a:extLst>
+              <a:ext uri="{FF2B5EF4-FFF2-40B4-BE49-F238E27FC236}">
+                <a16:creationId xmlns:a16="http://schemas.microsoft.com/office/drawing/2014/main" id="{AB14F859-CDA8-4112-B529-36D84FC60516}"/>
+              </a:ext>
+            </a:extLst>
+          </p:cNvPr>
+          <p:cNvSpPr txBox="1"/>
+          <p:nvPr/>
+        </p:nvSpPr>
+        <p:spPr>
+          <a:xfrm>
+            <a:off x="5399315" y="1329848"/>
+            <a:ext cx="4771053" cy="2308324"/>
+          </a:xfrm>
+          <a:prstGeom prst="rect">
+            <a:avLst/>
+          </a:prstGeom>
+          <a:noFill/>
+        </p:spPr>
+        <p:txBody>
+          <a:bodyPr wrap="square" rtlCol="0">
+            <a:spAutoFit/>
+          </a:bodyPr>
+          <a:lstStyle/>
+          <a:p>
+            <a:pPr marL="285750" indent="-285750">
+              <a:buFont typeface="Arial" panose="020B0604020202020204" pitchFamily="34" charset="0"/>
+              <a:buChar char="•"/>
+            </a:pPr>
+            <a:r>
+              <a:rPr lang="zh-TW" altLang="en-US" dirty="0">
+                <a:latin typeface="Times New Roman" panose="02020603050405020304" pitchFamily="18" charset="0"/>
+                <a:ea typeface="標楷體" panose="03000509000000000000" pitchFamily="65" charset="-120"/>
+                <a:cs typeface="Times New Roman" panose="02020603050405020304" pitchFamily="18" charset="0"/>
+              </a:rPr>
+              <a:t>這次在</a:t>
+            </a:r>
+            <a:r>
+              <a:rPr lang="en-US" altLang="zh-TW" dirty="0">
+                <a:latin typeface="Times New Roman" panose="02020603050405020304" pitchFamily="18" charset="0"/>
+                <a:ea typeface="標楷體" panose="03000509000000000000" pitchFamily="65" charset="-120"/>
+                <a:cs typeface="Times New Roman" panose="02020603050405020304" pitchFamily="18" charset="0"/>
+              </a:rPr>
+              <a:t>port</a:t>
+            </a:r>
+            <a:r>
+              <a:rPr lang="zh-TW" altLang="en-US" dirty="0">
+                <a:latin typeface="Times New Roman" panose="02020603050405020304" pitchFamily="18" charset="0"/>
+                <a:ea typeface="標楷體" panose="03000509000000000000" pitchFamily="65" charset="-120"/>
+                <a:cs typeface="Times New Roman" panose="02020603050405020304" pitchFamily="18" charset="0"/>
+              </a:rPr>
+              <a:t>最為重要的為以下幾個元件</a:t>
+            </a:r>
+            <a:endParaRPr lang="en-US" altLang="zh-TW" dirty="0">
+              <a:latin typeface="Times New Roman" panose="02020603050405020304" pitchFamily="18" charset="0"/>
+              <a:ea typeface="標楷體" panose="03000509000000000000" pitchFamily="65" charset="-120"/>
+              <a:cs typeface="Times New Roman" panose="02020603050405020304" pitchFamily="18" charset="0"/>
+            </a:endParaRPr>
+          </a:p>
+          <a:p>
+            <a:pPr marL="285750" indent="-285750">
+              <a:buFont typeface="Arial" panose="020B0604020202020204" pitchFamily="34" charset="0"/>
+              <a:buChar char="•"/>
+            </a:pPr>
+            <a:r>
+              <a:rPr lang="en-US" altLang="zh-TW" dirty="0">
+                <a:latin typeface="Times New Roman" panose="02020603050405020304" pitchFamily="18" charset="0"/>
+                <a:ea typeface="標楷體" panose="03000509000000000000" pitchFamily="65" charset="-120"/>
+                <a:cs typeface="Times New Roman" panose="02020603050405020304" pitchFamily="18" charset="0"/>
+              </a:rPr>
+              <a:t>hsync</a:t>
+            </a:r>
+            <a:r>
+              <a:rPr lang="zh-TW" altLang="en-US" dirty="0">
+                <a:latin typeface="Times New Roman" panose="02020603050405020304" pitchFamily="18" charset="0"/>
+                <a:ea typeface="標楷體" panose="03000509000000000000" pitchFamily="65" charset="-120"/>
+                <a:cs typeface="Times New Roman" panose="02020603050405020304" pitchFamily="18" charset="0"/>
+              </a:rPr>
+              <a:t> </a:t>
+            </a:r>
+            <a:r>
+              <a:rPr lang="en-US" altLang="zh-TW" dirty="0">
+                <a:latin typeface="Times New Roman" panose="02020603050405020304" pitchFamily="18" charset="0"/>
+                <a:ea typeface="標楷體" panose="03000509000000000000" pitchFamily="65" charset="-120"/>
+                <a:cs typeface="Times New Roman" panose="02020603050405020304" pitchFamily="18" charset="0"/>
+              </a:rPr>
+              <a:t>:</a:t>
+            </a:r>
+            <a:r>
+              <a:rPr lang="zh-TW" altLang="en-US" dirty="0">
+                <a:latin typeface="Times New Roman" panose="02020603050405020304" pitchFamily="18" charset="0"/>
+                <a:ea typeface="標楷體" panose="03000509000000000000" pitchFamily="65" charset="-120"/>
+                <a:cs typeface="Times New Roman" panose="02020603050405020304" pitchFamily="18" charset="0"/>
+              </a:rPr>
+              <a:t> 水平掃描頻率</a:t>
+            </a:r>
+            <a:endParaRPr lang="en-US" altLang="zh-TW" dirty="0">
+              <a:latin typeface="Times New Roman" panose="02020603050405020304" pitchFamily="18" charset="0"/>
+              <a:ea typeface="標楷體" panose="03000509000000000000" pitchFamily="65" charset="-120"/>
+              <a:cs typeface="Times New Roman" panose="02020603050405020304" pitchFamily="18" charset="0"/>
+            </a:endParaRPr>
+          </a:p>
+          <a:p>
+            <a:pPr marL="285750" indent="-285750">
+              <a:buFont typeface="Arial" panose="020B0604020202020204" pitchFamily="34" charset="0"/>
+              <a:buChar char="•"/>
+            </a:pPr>
+            <a:r>
+              <a:rPr lang="en-US" altLang="zh-TW" dirty="0">
+                <a:latin typeface="Times New Roman" panose="02020603050405020304" pitchFamily="18" charset="0"/>
+                <a:cs typeface="Times New Roman" panose="02020603050405020304" pitchFamily="18" charset="0"/>
+              </a:rPr>
+              <a:t>vsync : </a:t>
+            </a:r>
+            <a:r>
+              <a:rPr lang="zh-TW" altLang="en-US" dirty="0">
+                <a:latin typeface="標楷體" panose="03000509000000000000" pitchFamily="65" charset="-120"/>
+                <a:ea typeface="標楷體" panose="03000509000000000000" pitchFamily="65" charset="-120"/>
+                <a:cs typeface="Times New Roman" panose="02020603050405020304" pitchFamily="18" charset="0"/>
+              </a:rPr>
+              <a:t>垂直掃描頻率</a:t>
+            </a:r>
+            <a:endParaRPr lang="en-US" altLang="zh-TW" dirty="0">
+              <a:latin typeface="標楷體" panose="03000509000000000000" pitchFamily="65" charset="-120"/>
+              <a:ea typeface="標楷體" panose="03000509000000000000" pitchFamily="65" charset="-120"/>
+              <a:cs typeface="Times New Roman" panose="02020603050405020304" pitchFamily="18" charset="0"/>
+            </a:endParaRPr>
+          </a:p>
+          <a:p>
+            <a:pPr marL="285750" indent="-285750">
+              <a:buFont typeface="Arial" panose="020B0604020202020204" pitchFamily="34" charset="0"/>
+              <a:buChar char="•"/>
+            </a:pPr>
+            <a:r>
+              <a:rPr lang="en-US" altLang="zh-TW" dirty="0">
+                <a:latin typeface="Times New Roman" panose="02020603050405020304" pitchFamily="18" charset="0"/>
+                <a:ea typeface="標楷體" panose="03000509000000000000" pitchFamily="65" charset="-120"/>
+                <a:cs typeface="Times New Roman" panose="02020603050405020304" pitchFamily="18" charset="0"/>
+              </a:rPr>
+              <a:t>red</a:t>
+            </a:r>
+            <a:r>
+              <a:rPr lang="zh-TW" altLang="en-US" dirty="0">
+                <a:latin typeface="Times New Roman" panose="02020603050405020304" pitchFamily="18" charset="0"/>
+                <a:ea typeface="標楷體" panose="03000509000000000000" pitchFamily="65" charset="-120"/>
+                <a:cs typeface="Times New Roman" panose="02020603050405020304" pitchFamily="18" charset="0"/>
+              </a:rPr>
+              <a:t> 、</a:t>
+            </a:r>
+            <a:r>
+              <a:rPr lang="en-US" altLang="zh-TW" dirty="0">
+                <a:latin typeface="Times New Roman" panose="02020603050405020304" pitchFamily="18" charset="0"/>
+                <a:ea typeface="標楷體" panose="03000509000000000000" pitchFamily="65" charset="-120"/>
+                <a:cs typeface="Times New Roman" panose="02020603050405020304" pitchFamily="18" charset="0"/>
+              </a:rPr>
+              <a:t>green</a:t>
+            </a:r>
+            <a:r>
+              <a:rPr lang="zh-TW" altLang="en-US" dirty="0">
+                <a:latin typeface="Times New Roman" panose="02020603050405020304" pitchFamily="18" charset="0"/>
+                <a:ea typeface="標楷體" panose="03000509000000000000" pitchFamily="65" charset="-120"/>
+                <a:cs typeface="Times New Roman" panose="02020603050405020304" pitchFamily="18" charset="0"/>
+              </a:rPr>
+              <a:t>、</a:t>
+            </a:r>
+            <a:r>
+              <a:rPr lang="en-US" altLang="zh-TW" dirty="0">
+                <a:latin typeface="Times New Roman" panose="02020603050405020304" pitchFamily="18" charset="0"/>
+                <a:ea typeface="標楷體" panose="03000509000000000000" pitchFamily="65" charset="-120"/>
+                <a:cs typeface="Times New Roman" panose="02020603050405020304" pitchFamily="18" charset="0"/>
+              </a:rPr>
+              <a:t>blue</a:t>
+            </a:r>
+          </a:p>
+          <a:p>
+            <a:pPr marL="285750" indent="-285750">
+              <a:buFont typeface="Arial" panose="020B0604020202020204" pitchFamily="34" charset="0"/>
+              <a:buChar char="•"/>
+            </a:pPr>
+            <a:endParaRPr lang="en-US" altLang="zh-TW" dirty="0">
+              <a:latin typeface="標楷體" panose="03000509000000000000" pitchFamily="65" charset="-120"/>
+              <a:ea typeface="標楷體" panose="03000509000000000000" pitchFamily="65" charset="-120"/>
+              <a:cs typeface="Times New Roman" panose="02020603050405020304" pitchFamily="18" charset="0"/>
+            </a:endParaRPr>
+          </a:p>
+          <a:p>
+            <a:endParaRPr lang="en-US" altLang="zh-TW" dirty="0">
+              <a:latin typeface="標楷體" panose="03000509000000000000" pitchFamily="65" charset="-120"/>
+              <a:ea typeface="標楷體" panose="03000509000000000000" pitchFamily="65" charset="-120"/>
+              <a:cs typeface="Times New Roman" panose="02020603050405020304" pitchFamily="18" charset="0"/>
+            </a:endParaRPr>
+          </a:p>
+          <a:p>
+            <a:pPr marL="285750" indent="-285750">
+              <a:buFont typeface="Arial" panose="020B0604020202020204" pitchFamily="34" charset="0"/>
+              <a:buChar char="•"/>
+            </a:pPr>
+            <a:endParaRPr lang="en-US" altLang="zh-TW" dirty="0"/>
+          </a:p>
+          <a:p>
+            <a:pPr marL="285750" indent="-285750">
+              <a:buFont typeface="Arial" panose="020B0604020202020204" pitchFamily="34" charset="0"/>
+              <a:buChar char="•"/>
+            </a:pPr>
+            <a:endParaRPr lang="zh-TW" altLang="en-US" dirty="0"/>
           </a:p>
         </p:txBody>
       </p:sp>
@@ -7873,31 +6049,35 @@
           <a:chExt cx="0" cy="0"/>
         </a:xfrm>
       </p:grpSpPr>
-      <p:sp>
-        <p:nvSpPr>
-          <p:cNvPr id="2" name="內容版面配置區 1">
+      <p:pic>
+        <p:nvPicPr>
+          <p:cNvPr id="5" name="內容版面配置區 4">
             <a:extLst>
               <a:ext uri="{FF2B5EF4-FFF2-40B4-BE49-F238E27FC236}">
-                <a16:creationId xmlns:a16="http://schemas.microsoft.com/office/drawing/2014/main" id="{F0ACF2FF-8C99-FAA6-1D73-0A175BCFFC57}"/>
+                <a16:creationId xmlns:a16="http://schemas.microsoft.com/office/drawing/2014/main" id="{63B3903D-B96A-440C-8AE7-97A2E76C9AA0}"/>
               </a:ext>
             </a:extLst>
           </p:cNvPr>
-          <p:cNvSpPr>
-            <a:spLocks noGrp="1"/>
-          </p:cNvSpPr>
+          <p:cNvPicPr>
+            <a:picLocks noGrp="1" noChangeAspect="1"/>
+          </p:cNvPicPr>
           <p:nvPr>
             <p:ph idx="1"/>
           </p:nvPr>
-        </p:nvSpPr>
-        <p:spPr/>
-        <p:txBody>
-          <a:bodyPr/>
-          <a:lstStyle/>
-          <a:p>
-            <a:endParaRPr lang="zh-TW" altLang="en-US"/>
-          </a:p>
-        </p:txBody>
-      </p:sp>
+        </p:nvPicPr>
+        <p:blipFill>
+          <a:blip r:embed="rId2"/>
+          <a:stretch>
+            <a:fillRect/>
+          </a:stretch>
+        </p:blipFill>
+        <p:spPr>
+          <a:xfrm>
+            <a:off x="838200" y="3429000"/>
+            <a:ext cx="4567335" cy="2768616"/>
+          </a:xfrm>
+        </p:spPr>
+      </p:pic>
       <p:sp>
         <p:nvSpPr>
           <p:cNvPr id="3" name="標題 2">
@@ -7923,6 +6103,175 @@
               <a:rPr lang="zh-TW" altLang="en-US" dirty="0"/>
               <a:t>程式片段</a:t>
             </a:r>
+          </a:p>
+        </p:txBody>
+      </p:sp>
+      <p:pic>
+        <p:nvPicPr>
+          <p:cNvPr id="7" name="圖片 6">
+            <a:extLst>
+              <a:ext uri="{FF2B5EF4-FFF2-40B4-BE49-F238E27FC236}">
+                <a16:creationId xmlns:a16="http://schemas.microsoft.com/office/drawing/2014/main" id="{4EFE48A6-0A09-44FA-83CA-732D070C58EA}"/>
+              </a:ext>
+            </a:extLst>
+          </p:cNvPr>
+          <p:cNvPicPr>
+            <a:picLocks noChangeAspect="1"/>
+          </p:cNvPicPr>
+          <p:nvPr/>
+        </p:nvPicPr>
+        <p:blipFill>
+          <a:blip r:embed="rId3"/>
+          <a:stretch>
+            <a:fillRect/>
+          </a:stretch>
+        </p:blipFill>
+        <p:spPr>
+          <a:xfrm>
+            <a:off x="838200" y="1228482"/>
+            <a:ext cx="8704445" cy="2024078"/>
+          </a:xfrm>
+          <a:prstGeom prst="rect">
+            <a:avLst/>
+          </a:prstGeom>
+          <a:ln w="19050">
+            <a:solidFill>
+              <a:schemeClr val="tx1"/>
+            </a:solidFill>
+          </a:ln>
+        </p:spPr>
+      </p:pic>
+      <p:sp>
+        <p:nvSpPr>
+          <p:cNvPr id="8" name="文字方塊 7">
+            <a:extLst>
+              <a:ext uri="{FF2B5EF4-FFF2-40B4-BE49-F238E27FC236}">
+                <a16:creationId xmlns:a16="http://schemas.microsoft.com/office/drawing/2014/main" id="{282A5349-E19D-4E87-A595-172F4A1F425D}"/>
+              </a:ext>
+            </a:extLst>
+          </p:cNvPr>
+          <p:cNvSpPr txBox="1"/>
+          <p:nvPr/>
+        </p:nvSpPr>
+        <p:spPr>
+          <a:xfrm>
+            <a:off x="5405535" y="3429000"/>
+            <a:ext cx="4771053" cy="1477328"/>
+          </a:xfrm>
+          <a:prstGeom prst="rect">
+            <a:avLst/>
+          </a:prstGeom>
+          <a:noFill/>
+        </p:spPr>
+        <p:txBody>
+          <a:bodyPr wrap="square" rtlCol="0">
+            <a:spAutoFit/>
+          </a:bodyPr>
+          <a:lstStyle/>
+          <a:p>
+            <a:r>
+              <a:rPr lang="zh-TW" altLang="en-US" dirty="0">
+                <a:latin typeface="標楷體" panose="03000509000000000000" pitchFamily="65" charset="-120"/>
+                <a:ea typeface="標楷體" panose="03000509000000000000" pitchFamily="65" charset="-120"/>
+                <a:cs typeface="Times New Roman" panose="02020603050405020304" pitchFamily="18" charset="0"/>
+              </a:rPr>
+              <a:t>由於我使用的解析度</a:t>
+            </a:r>
+            <a:r>
+              <a:rPr lang="en-US" altLang="zh-TW" dirty="0">
+                <a:latin typeface="標楷體" panose="03000509000000000000" pitchFamily="65" charset="-120"/>
+                <a:ea typeface="標楷體" panose="03000509000000000000" pitchFamily="65" charset="-120"/>
+                <a:cs typeface="Times New Roman" panose="02020603050405020304" pitchFamily="18" charset="0"/>
+              </a:rPr>
+              <a:t>640*480</a:t>
+            </a:r>
+            <a:r>
+              <a:rPr lang="zh-TW" altLang="en-US" dirty="0">
+                <a:latin typeface="標楷體" panose="03000509000000000000" pitchFamily="65" charset="-120"/>
+                <a:ea typeface="標楷體" panose="03000509000000000000" pitchFamily="65" charset="-120"/>
+                <a:cs typeface="Times New Roman" panose="02020603050405020304" pitchFamily="18" charset="0"/>
+              </a:rPr>
+              <a:t>而頻率是</a:t>
+            </a:r>
+            <a:r>
+              <a:rPr lang="en-US" altLang="zh-TW" dirty="0">
+                <a:latin typeface="標楷體" panose="03000509000000000000" pitchFamily="65" charset="-120"/>
+                <a:ea typeface="標楷體" panose="03000509000000000000" pitchFamily="65" charset="-120"/>
+                <a:cs typeface="Times New Roman" panose="02020603050405020304" pitchFamily="18" charset="0"/>
+              </a:rPr>
+              <a:t>60hz</a:t>
+            </a:r>
+            <a:r>
+              <a:rPr lang="zh-TW" altLang="en-US" dirty="0">
+                <a:latin typeface="標楷體" panose="03000509000000000000" pitchFamily="65" charset="-120"/>
+                <a:ea typeface="標楷體" panose="03000509000000000000" pitchFamily="65" charset="-120"/>
+                <a:cs typeface="Times New Roman" panose="02020603050405020304" pitchFamily="18" charset="0"/>
+              </a:rPr>
+              <a:t>，因此參數選擇可以比照上圖。</a:t>
+            </a:r>
+            <a:endParaRPr lang="en-US" altLang="zh-TW" dirty="0">
+              <a:latin typeface="標楷體" panose="03000509000000000000" pitchFamily="65" charset="-120"/>
+              <a:ea typeface="標楷體" panose="03000509000000000000" pitchFamily="65" charset="-120"/>
+              <a:cs typeface="Times New Roman" panose="02020603050405020304" pitchFamily="18" charset="0"/>
+            </a:endParaRPr>
+          </a:p>
+          <a:p>
+            <a:endParaRPr lang="en-US" altLang="zh-TW" dirty="0">
+              <a:latin typeface="標楷體" panose="03000509000000000000" pitchFamily="65" charset="-120"/>
+              <a:ea typeface="標楷體" panose="03000509000000000000" pitchFamily="65" charset="-120"/>
+              <a:cs typeface="Times New Roman" panose="02020603050405020304" pitchFamily="18" charset="0"/>
+            </a:endParaRPr>
+          </a:p>
+          <a:p>
+            <a:pPr marL="285750" indent="-285750">
+              <a:buFont typeface="Arial" panose="020B0604020202020204" pitchFamily="34" charset="0"/>
+              <a:buChar char="•"/>
+            </a:pPr>
+            <a:endParaRPr lang="en-US" altLang="zh-TW" dirty="0"/>
+          </a:p>
+          <a:p>
+            <a:pPr marL="285750" indent="-285750">
+              <a:buFont typeface="Arial" panose="020B0604020202020204" pitchFamily="34" charset="0"/>
+              <a:buChar char="•"/>
+            </a:pPr>
+            <a:endParaRPr lang="zh-TW" altLang="en-US" dirty="0"/>
+          </a:p>
+        </p:txBody>
+      </p:sp>
+      <p:sp>
+        <p:nvSpPr>
+          <p:cNvPr id="9" name="文字方塊 8">
+            <a:extLst>
+              <a:ext uri="{FF2B5EF4-FFF2-40B4-BE49-F238E27FC236}">
+                <a16:creationId xmlns:a16="http://schemas.microsoft.com/office/drawing/2014/main" id="{E186E500-851B-4928-A105-593120F2C666}"/>
+              </a:ext>
+            </a:extLst>
+          </p:cNvPr>
+          <p:cNvSpPr txBox="1"/>
+          <p:nvPr/>
+        </p:nvSpPr>
+        <p:spPr>
+          <a:xfrm>
+            <a:off x="838200" y="2146041"/>
+            <a:ext cx="8704445" cy="248816"/>
+          </a:xfrm>
+          <a:prstGeom prst="rect">
+            <a:avLst/>
+          </a:prstGeom>
+          <a:noFill/>
+          <a:ln w="38100">
+            <a:solidFill>
+              <a:srgbClr val="FF0000"/>
+            </a:solidFill>
+          </a:ln>
+        </p:spPr>
+        <p:txBody>
+          <a:bodyPr wrap="square" rtlCol="0">
+            <a:spAutoFit/>
+          </a:bodyPr>
+          <a:lstStyle/>
+          <a:p>
+            <a:endParaRPr lang="zh-TW" altLang="en-US" dirty="0"/>
           </a:p>
         </p:txBody>
       </p:sp>
@@ -7956,37 +6305,47 @@
           <a:chExt cx="0" cy="0"/>
         </a:xfrm>
       </p:grpSpPr>
-      <p:sp>
-        <p:nvSpPr>
-          <p:cNvPr id="2" name="內容版面配置區 1">
+      <p:pic>
+        <p:nvPicPr>
+          <p:cNvPr id="5" name="內容版面配置區 4">
             <a:extLst>
               <a:ext uri="{FF2B5EF4-FFF2-40B4-BE49-F238E27FC236}">
-                <a16:creationId xmlns:a16="http://schemas.microsoft.com/office/drawing/2014/main" id="{94565C0A-0975-7C71-32B6-A81A2B07A562}"/>
+                <a16:creationId xmlns:a16="http://schemas.microsoft.com/office/drawing/2014/main" id="{BEF06980-497F-4195-87A2-B903E9107BF6}"/>
               </a:ext>
             </a:extLst>
           </p:cNvPr>
-          <p:cNvSpPr>
-            <a:spLocks noGrp="1"/>
-          </p:cNvSpPr>
+          <p:cNvPicPr>
+            <a:picLocks noGrp="1" noChangeAspect="1"/>
+          </p:cNvPicPr>
           <p:nvPr>
             <p:ph idx="1"/>
           </p:nvPr>
-        </p:nvSpPr>
-        <p:spPr/>
-        <p:txBody>
-          <a:bodyPr/>
-          <a:lstStyle/>
-          <a:p>
-            <a:endParaRPr lang="zh-TW" altLang="en-US"/>
-          </a:p>
-        </p:txBody>
-      </p:sp>
+        </p:nvPicPr>
+        <p:blipFill>
+          <a:blip r:embed="rId2">
+            <a:extLst>
+              <a:ext uri="{28A0092B-C50C-407E-A947-70E740481C1C}">
+                <a14:useLocalDpi xmlns:a14="http://schemas.microsoft.com/office/drawing/2010/main" val="0"/>
+              </a:ext>
+            </a:extLst>
+          </a:blip>
+          <a:stretch>
+            <a:fillRect/>
+          </a:stretch>
+        </p:blipFill>
+        <p:spPr>
+          <a:xfrm>
+            <a:off x="838200" y="1243612"/>
+            <a:ext cx="5210902" cy="4182059"/>
+          </a:xfrm>
+        </p:spPr>
+      </p:pic>
       <p:sp>
         <p:nvSpPr>
           <p:cNvPr id="3" name="標題 2">
             <a:extLst>
               <a:ext uri="{FF2B5EF4-FFF2-40B4-BE49-F238E27FC236}">
-                <a16:creationId xmlns:a16="http://schemas.microsoft.com/office/drawing/2014/main" id="{72ADE437-83AD-38D3-A5A5-58F154A00B0D}"/>
+                <a16:creationId xmlns:a16="http://schemas.microsoft.com/office/drawing/2014/main" id="{D82C31BC-7F79-6971-2365-F71B9570079F}"/>
               </a:ext>
             </a:extLst>
           </p:cNvPr>
@@ -8009,10 +6368,136 @@
           </a:p>
         </p:txBody>
       </p:sp>
+      <p:sp>
+        <p:nvSpPr>
+          <p:cNvPr id="6" name="文字方塊 5">
+            <a:extLst>
+              <a:ext uri="{FF2B5EF4-FFF2-40B4-BE49-F238E27FC236}">
+                <a16:creationId xmlns:a16="http://schemas.microsoft.com/office/drawing/2014/main" id="{7AC3DFC9-6463-492F-A2E1-55C4EE6CAAC6}"/>
+              </a:ext>
+            </a:extLst>
+          </p:cNvPr>
+          <p:cNvSpPr txBox="1"/>
+          <p:nvPr/>
+        </p:nvSpPr>
+        <p:spPr>
+          <a:xfrm>
+            <a:off x="6142900" y="1307841"/>
+            <a:ext cx="4935647" cy="1200329"/>
+          </a:xfrm>
+          <a:prstGeom prst="rect">
+            <a:avLst/>
+          </a:prstGeom>
+          <a:noFill/>
+        </p:spPr>
+        <p:txBody>
+          <a:bodyPr wrap="square" rtlCol="0">
+            <a:spAutoFit/>
+          </a:bodyPr>
+          <a:lstStyle/>
+          <a:p>
+            <a:pPr marL="285750" indent="-285750">
+              <a:buFont typeface="Arial" panose="020B0604020202020204" pitchFamily="34" charset="0"/>
+              <a:buChar char="•"/>
+            </a:pPr>
+            <a:r>
+              <a:rPr lang="zh-TW" altLang="en-US" dirty="0">
+                <a:latin typeface="標楷體" panose="03000509000000000000" pitchFamily="65" charset="-120"/>
+                <a:ea typeface="標楷體" panose="03000509000000000000" pitchFamily="65" charset="-120"/>
+                <a:cs typeface="Times New Roman" panose="02020603050405020304" pitchFamily="18" charset="0"/>
+              </a:rPr>
+              <a:t>利用</a:t>
+            </a:r>
+            <a:r>
+              <a:rPr lang="en-US" altLang="zh-TW" dirty="0">
+                <a:latin typeface="Times New Roman" panose="02020603050405020304" pitchFamily="18" charset="0"/>
+                <a:ea typeface="標楷體" panose="03000509000000000000" pitchFamily="65" charset="-120"/>
+                <a:cs typeface="Times New Roman" panose="02020603050405020304" pitchFamily="18" charset="0"/>
+              </a:rPr>
+              <a:t>hCount</a:t>
+            </a:r>
+            <a:r>
+              <a:rPr lang="zh-TW" altLang="en-US" dirty="0">
+                <a:latin typeface="Times New Roman" panose="02020603050405020304" pitchFamily="18" charset="0"/>
+                <a:ea typeface="標楷體" panose="03000509000000000000" pitchFamily="65" charset="-120"/>
+                <a:cs typeface="Times New Roman" panose="02020603050405020304" pitchFamily="18" charset="0"/>
+              </a:rPr>
+              <a:t>、</a:t>
+            </a:r>
+            <a:r>
+              <a:rPr lang="en-US" altLang="zh-TW" dirty="0">
+                <a:latin typeface="Times New Roman" panose="02020603050405020304" pitchFamily="18" charset="0"/>
+                <a:ea typeface="標楷體" panose="03000509000000000000" pitchFamily="65" charset="-120"/>
+                <a:cs typeface="Times New Roman" panose="02020603050405020304" pitchFamily="18" charset="0"/>
+              </a:rPr>
+              <a:t>vCount</a:t>
+            </a:r>
+            <a:r>
+              <a:rPr lang="zh-TW" altLang="en-US" dirty="0">
+                <a:latin typeface="標楷體" panose="03000509000000000000" pitchFamily="65" charset="-120"/>
+                <a:ea typeface="標楷體" panose="03000509000000000000" pitchFamily="65" charset="-120"/>
+                <a:cs typeface="Times New Roman" panose="02020603050405020304" pitchFamily="18" charset="0"/>
+              </a:rPr>
+              <a:t>計數器來達成對螢幕的掃瞄</a:t>
+            </a:r>
+            <a:endParaRPr lang="en-US" altLang="zh-TW" dirty="0">
+              <a:latin typeface="標楷體" panose="03000509000000000000" pitchFamily="65" charset="-120"/>
+              <a:ea typeface="標楷體" panose="03000509000000000000" pitchFamily="65" charset="-120"/>
+              <a:cs typeface="Times New Roman" panose="02020603050405020304" pitchFamily="18" charset="0"/>
+            </a:endParaRPr>
+          </a:p>
+          <a:p>
+            <a:pPr marL="285750" indent="-285750">
+              <a:buFont typeface="Arial" panose="020B0604020202020204" pitchFamily="34" charset="0"/>
+              <a:buChar char="•"/>
+            </a:pPr>
+            <a:r>
+              <a:rPr lang="zh-TW" altLang="en-US" dirty="0">
+                <a:latin typeface="標楷體" panose="03000509000000000000" pitchFamily="65" charset="-120"/>
+                <a:ea typeface="標楷體" panose="03000509000000000000" pitchFamily="65" charset="-120"/>
+                <a:cs typeface="Times New Roman" panose="02020603050405020304" pitchFamily="18" charset="0"/>
+              </a:rPr>
+              <a:t>當在有效的範圍內輸出</a:t>
+            </a:r>
+            <a:r>
+              <a:rPr lang="en-US" altLang="zh-TW" dirty="0">
+                <a:latin typeface="標楷體" panose="03000509000000000000" pitchFamily="65" charset="-120"/>
+                <a:ea typeface="標楷體" panose="03000509000000000000" pitchFamily="65" charset="-120"/>
+                <a:cs typeface="Times New Roman" panose="02020603050405020304" pitchFamily="18" charset="0"/>
+              </a:rPr>
+              <a:t>1</a:t>
+            </a:r>
+            <a:r>
+              <a:rPr lang="zh-TW" altLang="en-US" dirty="0">
+                <a:latin typeface="標楷體" panose="03000509000000000000" pitchFamily="65" charset="-120"/>
+                <a:ea typeface="標楷體" panose="03000509000000000000" pitchFamily="65" charset="-120"/>
+                <a:cs typeface="Times New Roman" panose="02020603050405020304" pitchFamily="18" charset="0"/>
+              </a:rPr>
+              <a:t>，超出範圍則輸出</a:t>
+            </a:r>
+            <a:r>
+              <a:rPr lang="en-US" altLang="zh-TW" dirty="0">
+                <a:latin typeface="標楷體" panose="03000509000000000000" pitchFamily="65" charset="-120"/>
+                <a:ea typeface="標楷體" panose="03000509000000000000" pitchFamily="65" charset="-120"/>
+                <a:cs typeface="Times New Roman" panose="02020603050405020304" pitchFamily="18" charset="0"/>
+              </a:rPr>
+              <a:t>0</a:t>
+            </a:r>
+            <a:endParaRPr lang="en-US" altLang="zh-TW" dirty="0"/>
+          </a:p>
+          <a:p>
+            <a:pPr marL="285750" indent="-285750">
+              <a:buFont typeface="Arial" panose="020B0604020202020204" pitchFamily="34" charset="0"/>
+              <a:buChar char="•"/>
+            </a:pPr>
+            <a:endParaRPr lang="zh-TW" altLang="en-US" dirty="0"/>
+          </a:p>
+        </p:txBody>
+      </p:sp>
     </p:spTree>
     <p:extLst>
       <p:ext uri="{BB962C8B-B14F-4D97-AF65-F5344CB8AC3E}">
-        <p14:creationId xmlns:p14="http://schemas.microsoft.com/office/powerpoint/2010/main" val="2564935246"/>
+        <p14:creationId xmlns:p14="http://schemas.microsoft.com/office/powerpoint/2010/main" val="1219181885"/>
       </p:ext>
     </p:extLst>
   </p:cSld>
@@ -8041,10 +6526,10 @@
       </p:grpSpPr>
       <p:sp>
         <p:nvSpPr>
-          <p:cNvPr id="2" name="內容版面配置區 1">
+          <p:cNvPr id="3" name="標題 2">
             <a:extLst>
               <a:ext uri="{FF2B5EF4-FFF2-40B4-BE49-F238E27FC236}">
-                <a16:creationId xmlns:a16="http://schemas.microsoft.com/office/drawing/2014/main" id="{80D76811-0D57-3E1C-61C2-9A396AF33BA3}"/>
+                <a16:creationId xmlns:a16="http://schemas.microsoft.com/office/drawing/2014/main" id="{72ADE437-83AD-38D3-A5A5-58F154A00B0D}"/>
               </a:ext>
             </a:extLst>
           </p:cNvPr>
@@ -8052,7 +6537,7 @@
             <a:spLocks noGrp="1"/>
           </p:cNvSpPr>
           <p:nvPr>
-            <p:ph idx="1"/>
+            <p:ph type="title"/>
           </p:nvPr>
         </p:nvSpPr>
         <p:spPr/>
@@ -8060,42 +6545,404 @@
           <a:bodyPr/>
           <a:lstStyle/>
           <a:p>
-            <a:endParaRPr lang="zh-TW" altLang="en-US"/>
-          </a:p>
-        </p:txBody>
-      </p:sp>
-      <p:sp>
-        <p:nvSpPr>
-          <p:cNvPr id="3" name="標題 2">
+            <a:r>
+              <a:rPr lang="zh-TW" altLang="en-US" dirty="0"/>
+              <a:t>程式片段</a:t>
+            </a:r>
+          </a:p>
+        </p:txBody>
+      </p:sp>
+      <p:pic>
+        <p:nvPicPr>
+          <p:cNvPr id="5" name="圖片 4">
             <a:extLst>
               <a:ext uri="{FF2B5EF4-FFF2-40B4-BE49-F238E27FC236}">
-                <a16:creationId xmlns:a16="http://schemas.microsoft.com/office/drawing/2014/main" id="{D82C31BC-7F79-6971-2365-F71B9570079F}"/>
+                <a16:creationId xmlns:a16="http://schemas.microsoft.com/office/drawing/2014/main" id="{2AAB4FBB-6C31-4848-88C3-28D531135F20}"/>
               </a:ext>
             </a:extLst>
           </p:cNvPr>
-          <p:cNvSpPr>
-            <a:spLocks noGrp="1"/>
-          </p:cNvSpPr>
-          <p:nvPr>
-            <p:ph type="title"/>
-          </p:nvPr>
-        </p:nvSpPr>
-        <p:spPr/>
-        <p:txBody>
-          <a:bodyPr/>
+          <p:cNvPicPr>
+            <a:picLocks noChangeAspect="1"/>
+          </p:cNvPicPr>
+          <p:nvPr/>
+        </p:nvPicPr>
+        <p:blipFill>
+          <a:blip r:embed="rId2"/>
+          <a:stretch>
+            <a:fillRect/>
+          </a:stretch>
+        </p:blipFill>
+        <p:spPr>
+          <a:xfrm>
+            <a:off x="838200" y="1201850"/>
+            <a:ext cx="4381661" cy="5048884"/>
+          </a:xfrm>
+          <a:prstGeom prst="rect">
+            <a:avLst/>
+          </a:prstGeom>
+        </p:spPr>
+      </p:pic>
+      <p:sp>
+        <p:nvSpPr>
+          <p:cNvPr id="6" name="文字方塊 5">
+            <a:extLst>
+              <a:ext uri="{FF2B5EF4-FFF2-40B4-BE49-F238E27FC236}">
+                <a16:creationId xmlns:a16="http://schemas.microsoft.com/office/drawing/2014/main" id="{84B5F559-E9C6-48A3-BE35-5DFE6249C344}"/>
+              </a:ext>
+            </a:extLst>
+          </p:cNvPr>
+          <p:cNvSpPr txBox="1"/>
+          <p:nvPr/>
+        </p:nvSpPr>
+        <p:spPr>
+          <a:xfrm>
+            <a:off x="5545741" y="1264054"/>
+            <a:ext cx="5808059" cy="3139321"/>
+          </a:xfrm>
+          <a:prstGeom prst="rect">
+            <a:avLst/>
+          </a:prstGeom>
+          <a:noFill/>
+        </p:spPr>
+        <p:txBody>
+          <a:bodyPr wrap="square" rtlCol="0">
+            <a:spAutoFit/>
+          </a:bodyPr>
           <a:lstStyle/>
           <a:p>
-            <a:r>
-              <a:rPr lang="zh-TW" altLang="en-US" dirty="0"/>
-              <a:t>成果展示</a:t>
-            </a:r>
+            <a:pPr marL="285750" indent="-285750">
+              <a:buFont typeface="Arial" panose="020B0604020202020204" pitchFamily="34" charset="0"/>
+              <a:buChar char="•"/>
+            </a:pPr>
+            <a:r>
+              <a:rPr lang="zh-TW" altLang="en-US" dirty="0">
+                <a:latin typeface="標楷體" panose="03000509000000000000" pitchFamily="65" charset="-120"/>
+                <a:ea typeface="標楷體" panose="03000509000000000000" pitchFamily="65" charset="-120"/>
+                <a:cs typeface="Times New Roman" panose="02020603050405020304" pitchFamily="18" charset="0"/>
+              </a:rPr>
+              <a:t>顯示的部分我們可以對</a:t>
+            </a:r>
+            <a:r>
+              <a:rPr lang="en-US" altLang="zh-TW" dirty="0">
+                <a:latin typeface="Times New Roman" panose="02020603050405020304" pitchFamily="18" charset="0"/>
+                <a:ea typeface="標楷體" panose="03000509000000000000" pitchFamily="65" charset="-120"/>
+                <a:cs typeface="Times New Roman" panose="02020603050405020304" pitchFamily="18" charset="0"/>
+              </a:rPr>
+              <a:t>hCount</a:t>
+            </a:r>
+            <a:r>
+              <a:rPr lang="zh-TW" altLang="en-US" dirty="0">
+                <a:latin typeface="Times New Roman" panose="02020603050405020304" pitchFamily="18" charset="0"/>
+                <a:ea typeface="標楷體" panose="03000509000000000000" pitchFamily="65" charset="-120"/>
+                <a:cs typeface="Times New Roman" panose="02020603050405020304" pitchFamily="18" charset="0"/>
+              </a:rPr>
+              <a:t>、</a:t>
+            </a:r>
+            <a:r>
+              <a:rPr lang="en-US" altLang="zh-TW" dirty="0">
+                <a:latin typeface="Times New Roman" panose="02020603050405020304" pitchFamily="18" charset="0"/>
+                <a:ea typeface="標楷體" panose="03000509000000000000" pitchFamily="65" charset="-120"/>
+                <a:cs typeface="Times New Roman" panose="02020603050405020304" pitchFamily="18" charset="0"/>
+              </a:rPr>
+              <a:t>vCount</a:t>
+            </a:r>
+            <a:r>
+              <a:rPr lang="zh-TW" altLang="en-US" dirty="0">
+                <a:latin typeface="標楷體" panose="03000509000000000000" pitchFamily="65" charset="-120"/>
+                <a:ea typeface="標楷體" panose="03000509000000000000" pitchFamily="65" charset="-120"/>
+                <a:cs typeface="Times New Roman" panose="02020603050405020304" pitchFamily="18" charset="0"/>
+              </a:rPr>
+              <a:t>計數範圍做判斷</a:t>
+            </a:r>
+            <a:endParaRPr lang="en-US" altLang="zh-TW" dirty="0">
+              <a:latin typeface="標楷體" panose="03000509000000000000" pitchFamily="65" charset="-120"/>
+              <a:ea typeface="標楷體" panose="03000509000000000000" pitchFamily="65" charset="-120"/>
+              <a:cs typeface="Times New Roman" panose="02020603050405020304" pitchFamily="18" charset="0"/>
+            </a:endParaRPr>
+          </a:p>
+          <a:p>
+            <a:pPr marL="285750" indent="-285750">
+              <a:buFont typeface="Arial" panose="020B0604020202020204" pitchFamily="34" charset="0"/>
+              <a:buChar char="•"/>
+            </a:pPr>
+            <a:r>
+              <a:rPr lang="en-US" altLang="zh-TW" dirty="0">
+                <a:latin typeface="Times New Roman" panose="02020603050405020304" pitchFamily="18" charset="0"/>
+                <a:ea typeface="標楷體" panose="03000509000000000000" pitchFamily="65" charset="-120"/>
+                <a:cs typeface="Times New Roman" panose="02020603050405020304" pitchFamily="18" charset="0"/>
+              </a:rPr>
+              <a:t>hRez</a:t>
+            </a:r>
+            <a:r>
+              <a:rPr lang="zh-TW" altLang="en-US" dirty="0">
+                <a:latin typeface="標楷體" panose="03000509000000000000" pitchFamily="65" charset="-120"/>
+                <a:ea typeface="標楷體" panose="03000509000000000000" pitchFamily="65" charset="-120"/>
+                <a:cs typeface="Times New Roman" panose="02020603050405020304" pitchFamily="18" charset="0"/>
+              </a:rPr>
+              <a:t>為</a:t>
+            </a:r>
+            <a:r>
+              <a:rPr lang="en-US" altLang="zh-TW" dirty="0">
+                <a:latin typeface="Times New Roman" panose="02020603050405020304" pitchFamily="18" charset="0"/>
+                <a:ea typeface="標楷體" panose="03000509000000000000" pitchFamily="65" charset="-120"/>
+                <a:cs typeface="Times New Roman" panose="02020603050405020304" pitchFamily="18" charset="0"/>
+              </a:rPr>
+              <a:t>640</a:t>
+            </a:r>
+            <a:r>
+              <a:rPr lang="zh-TW" altLang="en-US" dirty="0">
+                <a:latin typeface="標楷體" panose="03000509000000000000" pitchFamily="65" charset="-120"/>
+                <a:ea typeface="標楷體" panose="03000509000000000000" pitchFamily="65" charset="-120"/>
+                <a:cs typeface="Times New Roman" panose="02020603050405020304" pitchFamily="18" charset="0"/>
+              </a:rPr>
+              <a:t>、</a:t>
+            </a:r>
+            <a:r>
+              <a:rPr lang="en-US" altLang="zh-TW" dirty="0">
+                <a:latin typeface="Times New Roman" panose="02020603050405020304" pitchFamily="18" charset="0"/>
+                <a:ea typeface="標楷體" panose="03000509000000000000" pitchFamily="65" charset="-120"/>
+                <a:cs typeface="Times New Roman" panose="02020603050405020304" pitchFamily="18" charset="0"/>
+              </a:rPr>
+              <a:t>vRez</a:t>
+            </a:r>
+            <a:r>
+              <a:rPr lang="zh-TW" altLang="en-US" dirty="0">
+                <a:latin typeface="標楷體" panose="03000509000000000000" pitchFamily="65" charset="-120"/>
+                <a:ea typeface="標楷體" panose="03000509000000000000" pitchFamily="65" charset="-120"/>
+                <a:cs typeface="Times New Roman" panose="02020603050405020304" pitchFamily="18" charset="0"/>
+              </a:rPr>
+              <a:t>為</a:t>
+            </a:r>
+            <a:r>
+              <a:rPr lang="en-US" altLang="zh-TW" dirty="0">
+                <a:latin typeface="Times New Roman" panose="02020603050405020304" pitchFamily="18" charset="0"/>
+                <a:ea typeface="標楷體" panose="03000509000000000000" pitchFamily="65" charset="-120"/>
+                <a:cs typeface="Times New Roman" panose="02020603050405020304" pitchFamily="18" charset="0"/>
+              </a:rPr>
+              <a:t>480</a:t>
+            </a:r>
+          </a:p>
+          <a:p>
+            <a:pPr marL="285750" indent="-285750">
+              <a:buFont typeface="Arial" panose="020B0604020202020204" pitchFamily="34" charset="0"/>
+              <a:buChar char="•"/>
+            </a:pPr>
+            <a:r>
+              <a:rPr lang="zh-TW" altLang="en-US" dirty="0">
+                <a:latin typeface="標楷體" panose="03000509000000000000" pitchFamily="65" charset="-120"/>
+                <a:ea typeface="標楷體" panose="03000509000000000000" pitchFamily="65" charset="-120"/>
+                <a:cs typeface="Times New Roman" panose="02020603050405020304" pitchFamily="18" charset="0"/>
+              </a:rPr>
+              <a:t>以矩形為例，我們可以設定當</a:t>
+            </a:r>
+            <a:r>
+              <a:rPr lang="en-US" altLang="zh-TW" dirty="0">
+                <a:latin typeface="標楷體" panose="03000509000000000000" pitchFamily="65" charset="-120"/>
+                <a:ea typeface="標楷體" panose="03000509000000000000" pitchFamily="65" charset="-120"/>
+                <a:cs typeface="Times New Roman" panose="02020603050405020304" pitchFamily="18" charset="0"/>
+              </a:rPr>
+              <a:t>(</a:t>
+            </a:r>
+            <a:r>
+              <a:rPr lang="en-US" altLang="zh-TW" dirty="0">
+                <a:latin typeface="Times New Roman" panose="02020603050405020304" pitchFamily="18" charset="0"/>
+                <a:ea typeface="標楷體" panose="03000509000000000000" pitchFamily="65" charset="-120"/>
+                <a:cs typeface="Times New Roman" panose="02020603050405020304" pitchFamily="18" charset="0"/>
+              </a:rPr>
+              <a:t>hCount</a:t>
+            </a:r>
+            <a:r>
+              <a:rPr lang="zh-TW" altLang="en-US" dirty="0">
+                <a:latin typeface="標楷體" panose="03000509000000000000" pitchFamily="65" charset="-120"/>
+                <a:ea typeface="標楷體" panose="03000509000000000000" pitchFamily="65" charset="-120"/>
+                <a:cs typeface="Times New Roman" panose="02020603050405020304" pitchFamily="18" charset="0"/>
+              </a:rPr>
+              <a:t>小於</a:t>
+            </a:r>
+            <a:r>
+              <a:rPr lang="en-US" altLang="zh-TW" dirty="0">
+                <a:latin typeface="Times New Roman" panose="02020603050405020304" pitchFamily="18" charset="0"/>
+                <a:ea typeface="標楷體" panose="03000509000000000000" pitchFamily="65" charset="-120"/>
+                <a:cs typeface="Times New Roman" panose="02020603050405020304" pitchFamily="18" charset="0"/>
+              </a:rPr>
+              <a:t>hRez/3</a:t>
+            </a:r>
+            <a:r>
+              <a:rPr lang="en-US" altLang="zh-TW" dirty="0">
+                <a:latin typeface="標楷體" panose="03000509000000000000" pitchFamily="65" charset="-120"/>
+                <a:ea typeface="標楷體" panose="03000509000000000000" pitchFamily="65" charset="-120"/>
+                <a:cs typeface="Times New Roman" panose="02020603050405020304" pitchFamily="18" charset="0"/>
+              </a:rPr>
+              <a:t>)</a:t>
+            </a:r>
+            <a:r>
+              <a:rPr lang="zh-TW" altLang="en-US" dirty="0">
+                <a:latin typeface="標楷體" panose="03000509000000000000" pitchFamily="65" charset="-120"/>
+                <a:ea typeface="標楷體" panose="03000509000000000000" pitchFamily="65" charset="-120"/>
+                <a:cs typeface="Times New Roman" panose="02020603050405020304" pitchFamily="18" charset="0"/>
+              </a:rPr>
+              <a:t>以及</a:t>
+            </a:r>
+            <a:r>
+              <a:rPr lang="en-US" altLang="zh-TW" dirty="0">
+                <a:latin typeface="標楷體" panose="03000509000000000000" pitchFamily="65" charset="-120"/>
+                <a:ea typeface="標楷體" panose="03000509000000000000" pitchFamily="65" charset="-120"/>
+                <a:cs typeface="Times New Roman" panose="02020603050405020304" pitchFamily="18" charset="0"/>
+              </a:rPr>
+              <a:t>(</a:t>
+            </a:r>
+            <a:r>
+              <a:rPr lang="en-US" altLang="zh-TW" dirty="0">
+                <a:latin typeface="Times New Roman" panose="02020603050405020304" pitchFamily="18" charset="0"/>
+                <a:ea typeface="標楷體" panose="03000509000000000000" pitchFamily="65" charset="-120"/>
+                <a:cs typeface="Times New Roman" panose="02020603050405020304" pitchFamily="18" charset="0"/>
+              </a:rPr>
+              <a:t>vCount</a:t>
+            </a:r>
+            <a:r>
+              <a:rPr lang="zh-TW" altLang="en-US" dirty="0">
+                <a:latin typeface="標楷體" panose="03000509000000000000" pitchFamily="65" charset="-120"/>
+                <a:ea typeface="標楷體" panose="03000509000000000000" pitchFamily="65" charset="-120"/>
+                <a:cs typeface="Times New Roman" panose="02020603050405020304" pitchFamily="18" charset="0"/>
+              </a:rPr>
+              <a:t>大於</a:t>
+            </a:r>
+            <a:r>
+              <a:rPr lang="en-US" altLang="zh-TW" dirty="0">
+                <a:latin typeface="Times New Roman" panose="02020603050405020304" pitchFamily="18" charset="0"/>
+                <a:ea typeface="標楷體" panose="03000509000000000000" pitchFamily="65" charset="-120"/>
+                <a:cs typeface="Times New Roman" panose="02020603050405020304" pitchFamily="18" charset="0"/>
+              </a:rPr>
+              <a:t>vRez</a:t>
+            </a:r>
+            <a:r>
+              <a:rPr lang="en-US" altLang="zh-TW" dirty="0">
+                <a:latin typeface="標楷體" panose="03000509000000000000" pitchFamily="65" charset="-120"/>
+                <a:ea typeface="標楷體" panose="03000509000000000000" pitchFamily="65" charset="-120"/>
+                <a:cs typeface="Times New Roman" panose="02020603050405020304" pitchFamily="18" charset="0"/>
+              </a:rPr>
+              <a:t>)</a:t>
+            </a:r>
+            <a:r>
+              <a:rPr lang="zh-TW" altLang="en-US" dirty="0">
+                <a:latin typeface="標楷體" panose="03000509000000000000" pitchFamily="65" charset="-120"/>
+                <a:ea typeface="標楷體" panose="03000509000000000000" pitchFamily="65" charset="-120"/>
+                <a:cs typeface="Times New Roman" panose="02020603050405020304" pitchFamily="18" charset="0"/>
+              </a:rPr>
+              <a:t>以及</a:t>
+            </a:r>
+            <a:r>
+              <a:rPr lang="en-US" altLang="zh-TW" dirty="0">
+                <a:latin typeface="標楷體" panose="03000509000000000000" pitchFamily="65" charset="-120"/>
+                <a:ea typeface="標楷體" panose="03000509000000000000" pitchFamily="65" charset="-120"/>
+                <a:cs typeface="Times New Roman" panose="02020603050405020304" pitchFamily="18" charset="0"/>
+              </a:rPr>
+              <a:t>(</a:t>
+            </a:r>
+            <a:r>
+              <a:rPr lang="en-US" altLang="zh-TW" dirty="0">
+                <a:latin typeface="Times New Roman" panose="02020603050405020304" pitchFamily="18" charset="0"/>
+                <a:ea typeface="標楷體" panose="03000509000000000000" pitchFamily="65" charset="-120"/>
+                <a:cs typeface="Times New Roman" panose="02020603050405020304" pitchFamily="18" charset="0"/>
+              </a:rPr>
+              <a:t>vCount</a:t>
+            </a:r>
+            <a:r>
+              <a:rPr lang="zh-TW" altLang="en-US" dirty="0">
+                <a:latin typeface="標楷體" panose="03000509000000000000" pitchFamily="65" charset="-120"/>
+                <a:ea typeface="標楷體" panose="03000509000000000000" pitchFamily="65" charset="-120"/>
+                <a:cs typeface="Times New Roman" panose="02020603050405020304" pitchFamily="18" charset="0"/>
+              </a:rPr>
+              <a:t>小於</a:t>
+            </a:r>
+            <a:r>
+              <a:rPr lang="en-US" altLang="zh-TW" dirty="0">
+                <a:latin typeface="Times New Roman" panose="02020603050405020304" pitchFamily="18" charset="0"/>
+                <a:ea typeface="標楷體" panose="03000509000000000000" pitchFamily="65" charset="-120"/>
+                <a:cs typeface="Times New Roman" panose="02020603050405020304" pitchFamily="18" charset="0"/>
+              </a:rPr>
+              <a:t>2*vRez/3</a:t>
+            </a:r>
+            <a:r>
+              <a:rPr lang="en-US" altLang="zh-TW" dirty="0">
+                <a:latin typeface="標楷體" panose="03000509000000000000" pitchFamily="65" charset="-120"/>
+                <a:ea typeface="標楷體" panose="03000509000000000000" pitchFamily="65" charset="-120"/>
+                <a:cs typeface="Times New Roman" panose="02020603050405020304" pitchFamily="18" charset="0"/>
+              </a:rPr>
+              <a:t>)</a:t>
+            </a:r>
+            <a:r>
+              <a:rPr lang="zh-TW" altLang="en-US" dirty="0">
+                <a:latin typeface="標楷體" panose="03000509000000000000" pitchFamily="65" charset="-120"/>
+                <a:ea typeface="標楷體" panose="03000509000000000000" pitchFamily="65" charset="-120"/>
+                <a:cs typeface="Times New Roman" panose="02020603050405020304" pitchFamily="18" charset="0"/>
+              </a:rPr>
+              <a:t>時輸出顏色，這樣可以達成在想要的位置輸出圖形，以及限定範圍</a:t>
+            </a:r>
+            <a:endParaRPr lang="en-US" altLang="zh-TW" dirty="0">
+              <a:latin typeface="標楷體" panose="03000509000000000000" pitchFamily="65" charset="-120"/>
+              <a:ea typeface="標楷體" panose="03000509000000000000" pitchFamily="65" charset="-120"/>
+              <a:cs typeface="Times New Roman" panose="02020603050405020304" pitchFamily="18" charset="0"/>
+            </a:endParaRPr>
+          </a:p>
+          <a:p>
+            <a:pPr marL="285750" indent="-285750">
+              <a:buFont typeface="Arial" panose="020B0604020202020204" pitchFamily="34" charset="0"/>
+              <a:buChar char="•"/>
+            </a:pPr>
+            <a:r>
+              <a:rPr lang="zh-TW" altLang="en-US" dirty="0">
+                <a:latin typeface="標楷體" panose="03000509000000000000" pitchFamily="65" charset="-120"/>
+                <a:ea typeface="標楷體" panose="03000509000000000000" pitchFamily="65" charset="-120"/>
+                <a:cs typeface="Times New Roman" panose="02020603050405020304" pitchFamily="18" charset="0"/>
+              </a:rPr>
+              <a:t>圓形的部分可以用圓方程式來顯示圓形</a:t>
+            </a:r>
+            <a:r>
+              <a:rPr lang="en-US" altLang="zh-TW" b="0" i="0" dirty="0">
+                <a:effectLst/>
+                <a:latin typeface="Times New Roman" panose="02020603050405020304" pitchFamily="18" charset="0"/>
+                <a:cs typeface="Times New Roman" panose="02020603050405020304" pitchFamily="18" charset="0"/>
+              </a:rPr>
+              <a:t>(x – a)^2 + (y – b)^2 = r^2</a:t>
+            </a:r>
+          </a:p>
+          <a:p>
+            <a:pPr marL="285750" indent="-285750">
+              <a:buFont typeface="Arial" panose="020B0604020202020204" pitchFamily="34" charset="0"/>
+              <a:buChar char="•"/>
+            </a:pPr>
+            <a:r>
+              <a:rPr lang="zh-TW" altLang="en-US" dirty="0">
+                <a:latin typeface="Times New Roman" panose="02020603050405020304" pitchFamily="18" charset="0"/>
+                <a:ea typeface="標楷體" panose="03000509000000000000" pitchFamily="65" charset="-120"/>
+                <a:cs typeface="Times New Roman" panose="02020603050405020304" pitchFamily="18" charset="0"/>
+              </a:rPr>
+              <a:t>三角形則是利用三條斜線圍起來的區域上色</a:t>
+            </a:r>
+            <a:endParaRPr lang="en-US" altLang="zh-TW" dirty="0">
+              <a:latin typeface="Times New Roman" panose="02020603050405020304" pitchFamily="18" charset="0"/>
+              <a:ea typeface="標楷體" panose="03000509000000000000" pitchFamily="65" charset="-120"/>
+              <a:cs typeface="Times New Roman" panose="02020603050405020304" pitchFamily="18" charset="0"/>
+            </a:endParaRPr>
+          </a:p>
+          <a:p>
+            <a:pPr marL="285750" indent="-285750">
+              <a:buFont typeface="Arial" panose="020B0604020202020204" pitchFamily="34" charset="0"/>
+              <a:buChar char="•"/>
+            </a:pPr>
+            <a:endParaRPr lang="en-US" altLang="zh-TW" dirty="0">
+              <a:latin typeface="標楷體" panose="03000509000000000000" pitchFamily="65" charset="-120"/>
+              <a:ea typeface="標楷體" panose="03000509000000000000" pitchFamily="65" charset="-120"/>
+              <a:cs typeface="Times New Roman" panose="02020603050405020304" pitchFamily="18" charset="0"/>
+            </a:endParaRPr>
           </a:p>
         </p:txBody>
       </p:sp>
     </p:spTree>
     <p:extLst>
       <p:ext uri="{BB962C8B-B14F-4D97-AF65-F5344CB8AC3E}">
-        <p14:creationId xmlns:p14="http://schemas.microsoft.com/office/powerpoint/2010/main" val="1219181885"/>
+        <p14:creationId xmlns:p14="http://schemas.microsoft.com/office/powerpoint/2010/main" val="2564935246"/>
       </p:ext>
     </p:extLst>
   </p:cSld>
@@ -8122,98 +6969,21 @@
           <a:chExt cx="0" cy="0"/>
         </a:xfrm>
       </p:grpSpPr>
-      <p:sp>
-        <p:nvSpPr>
-          <p:cNvPr id="2" name="內容版面配置區 1">
+      <p:pic>
+        <p:nvPicPr>
+          <p:cNvPr id="5" name="內容版面配置區 4">
             <a:extLst>
               <a:ext uri="{FF2B5EF4-FFF2-40B4-BE49-F238E27FC236}">
-                <a16:creationId xmlns:a16="http://schemas.microsoft.com/office/drawing/2014/main" id="{337B4BAD-BB7D-92EC-02B3-F2C27E661AF4}"/>
-              </a:ext>
-            </a:extLst>
-          </p:cNvPr>
-          <p:cNvSpPr>
-            <a:spLocks noGrp="1"/>
-          </p:cNvSpPr>
-          <p:nvPr>
-            <p:ph idx="1"/>
-          </p:nvPr>
-        </p:nvSpPr>
-        <p:spPr/>
-        <p:txBody>
-          <a:bodyPr/>
-          <a:lstStyle/>
-          <a:p>
-            <a:r>
-              <a:rPr lang="zh-TW" altLang="en-US" dirty="0"/>
-              <a:t>左移</a:t>
-            </a:r>
-            <a:endParaRPr lang="en-US" altLang="zh-TW" dirty="0"/>
-          </a:p>
-          <a:p>
-            <a:r>
-              <a:rPr lang="zh-TW" altLang="en-US" dirty="0"/>
-              <a:t>右移</a:t>
-            </a:r>
-            <a:endParaRPr lang="en-US" altLang="zh-TW" dirty="0"/>
-          </a:p>
-          <a:p>
-            <a:r>
-              <a:rPr lang="zh-TW" altLang="en-US" dirty="0"/>
-              <a:t>右得分</a:t>
-            </a:r>
-            <a:endParaRPr lang="en-US" altLang="zh-TW" dirty="0"/>
-          </a:p>
-          <a:p>
-            <a:r>
-              <a:rPr lang="zh-TW" altLang="en-US"/>
-              <a:t>左得分</a:t>
-            </a:r>
-            <a:endParaRPr lang="en-US" altLang="zh-TW" dirty="0"/>
-          </a:p>
-        </p:txBody>
-      </p:sp>
-      <p:sp>
-        <p:nvSpPr>
-          <p:cNvPr id="3" name="標題 2">
-            <a:extLst>
-              <a:ext uri="{FF2B5EF4-FFF2-40B4-BE49-F238E27FC236}">
-                <a16:creationId xmlns:a16="http://schemas.microsoft.com/office/drawing/2014/main" id="{3A5E1F3A-2500-682B-2C7F-2FA182989E8D}"/>
-              </a:ext>
-            </a:extLst>
-          </p:cNvPr>
-          <p:cNvSpPr>
-            <a:spLocks noGrp="1"/>
-          </p:cNvSpPr>
-          <p:nvPr>
-            <p:ph type="title"/>
-          </p:nvPr>
-        </p:nvSpPr>
-        <p:spPr/>
-        <p:txBody>
-          <a:bodyPr/>
-          <a:lstStyle/>
-          <a:p>
-            <a:r>
-              <a:rPr lang="en-US" altLang="zh-TW" dirty="0"/>
-              <a:t>state assignment</a:t>
-            </a:r>
-            <a:endParaRPr lang="zh-TW" altLang="en-US" dirty="0"/>
-          </a:p>
-        </p:txBody>
-      </p:sp>
-      <p:pic>
-        <p:nvPicPr>
-          <p:cNvPr id="5" name="圖片 4">
-            <a:extLst>
-              <a:ext uri="{FF2B5EF4-FFF2-40B4-BE49-F238E27FC236}">
-                <a16:creationId xmlns:a16="http://schemas.microsoft.com/office/drawing/2014/main" id="{2015F9BF-3276-3099-5F3F-9E3CBBC5ACAD}"/>
+                <a16:creationId xmlns:a16="http://schemas.microsoft.com/office/drawing/2014/main" id="{55560ABF-5251-4581-869B-AA6A244A9C2D}"/>
               </a:ext>
             </a:extLst>
           </p:cNvPr>
           <p:cNvPicPr>
-            <a:picLocks noChangeAspect="1"/>
+            <a:picLocks noGrp="1" noChangeAspect="1"/>
           </p:cNvPicPr>
-          <p:nvPr/>
+          <p:nvPr>
+            <p:ph idx="1"/>
+          </p:nvPr>
         </p:nvPicPr>
         <p:blipFill>
           <a:blip r:embed="rId2" cstate="print">
@@ -8229,465 +6999,43 @@
         </p:blipFill>
         <p:spPr>
           <a:xfrm>
-            <a:off x="4366726" y="1201851"/>
-            <a:ext cx="6987073" cy="4987842"/>
+            <a:off x="3577431" y="1201738"/>
+            <a:ext cx="5037137" cy="5037137"/>
           </a:xfrm>
-          <a:prstGeom prst="rect">
-            <a:avLst/>
-          </a:prstGeom>
-          <a:ln w="19050">
-            <a:solidFill>
-              <a:srgbClr val="FF0000"/>
-            </a:solidFill>
-          </a:ln>
         </p:spPr>
       </p:pic>
+      <p:sp>
+        <p:nvSpPr>
+          <p:cNvPr id="3" name="標題 2">
+            <a:extLst>
+              <a:ext uri="{FF2B5EF4-FFF2-40B4-BE49-F238E27FC236}">
+                <a16:creationId xmlns:a16="http://schemas.microsoft.com/office/drawing/2014/main" id="{B7EAA80A-4584-4190-A55E-33538D0642E7}"/>
+              </a:ext>
+            </a:extLst>
+          </p:cNvPr>
+          <p:cNvSpPr>
+            <a:spLocks noGrp="1"/>
+          </p:cNvSpPr>
+          <p:nvPr>
+            <p:ph type="title"/>
+          </p:nvPr>
+        </p:nvSpPr>
+        <p:spPr/>
+        <p:txBody>
+          <a:bodyPr/>
+          <a:lstStyle/>
+          <a:p>
+            <a:r>
+              <a:rPr lang="zh-TW" altLang="en-US" dirty="0"/>
+              <a:t>成果展示</a:t>
+            </a:r>
+          </a:p>
+        </p:txBody>
+      </p:sp>
     </p:spTree>
     <p:extLst>
       <p:ext uri="{BB962C8B-B14F-4D97-AF65-F5344CB8AC3E}">
-        <p14:creationId xmlns:p14="http://schemas.microsoft.com/office/powerpoint/2010/main" val="2167721364"/>
-      </p:ext>
-    </p:extLst>
-  </p:cSld>
-  <p:clrMapOvr>
-    <a:masterClrMapping/>
-  </p:clrMapOvr>
-</p:sld>
-</file>
-
-<file path=ppt/slides/slide8.xml><?xml version="1.0" encoding="utf-8"?>
-<p:sld xmlns:a="http://schemas.openxmlformats.org/drawingml/2006/main" xmlns:r="http://schemas.openxmlformats.org/officeDocument/2006/relationships" xmlns:p="http://schemas.openxmlformats.org/presentationml/2006/main">
-  <p:cSld>
-    <p:spTree>
-      <p:nvGrpSpPr>
-        <p:cNvPr id="1" name=""/>
-        <p:cNvGrpSpPr/>
-        <p:nvPr/>
-      </p:nvGrpSpPr>
-      <p:grpSpPr>
-        <a:xfrm>
-          <a:off x="0" y="0"/>
-          <a:ext cx="0" cy="0"/>
-          <a:chOff x="0" y="0"/>
-          <a:chExt cx="0" cy="0"/>
-        </a:xfrm>
-      </p:grpSpPr>
-      <p:pic>
-        <p:nvPicPr>
-          <p:cNvPr id="5" name="內容版面配置區 4">
-            <a:extLst>
-              <a:ext uri="{FF2B5EF4-FFF2-40B4-BE49-F238E27FC236}">
-                <a16:creationId xmlns:a16="http://schemas.microsoft.com/office/drawing/2014/main" id="{F024D282-5732-4CA9-BCEB-643339F77495}"/>
-              </a:ext>
-            </a:extLst>
-          </p:cNvPr>
-          <p:cNvPicPr>
-            <a:picLocks noGrp="1" noChangeAspect="1"/>
-          </p:cNvPicPr>
-          <p:nvPr>
-            <p:ph idx="1"/>
-          </p:nvPr>
-        </p:nvPicPr>
-        <p:blipFill>
-          <a:blip r:embed="rId2">
-            <a:extLst>
-              <a:ext uri="{28A0092B-C50C-407E-A947-70E740481C1C}">
-                <a14:useLocalDpi xmlns:a14="http://schemas.microsoft.com/office/drawing/2010/main" val="0"/>
-              </a:ext>
-            </a:extLst>
-          </a:blip>
-          <a:stretch>
-            <a:fillRect/>
-          </a:stretch>
-        </p:blipFill>
-        <p:spPr>
-          <a:xfrm>
-            <a:off x="2652243" y="1220399"/>
-            <a:ext cx="6887513" cy="5037137"/>
-          </a:xfrm>
-          <a:ln w="19050">
-            <a:solidFill>
-              <a:srgbClr val="FF0000"/>
-            </a:solidFill>
-          </a:ln>
-        </p:spPr>
-      </p:pic>
-      <p:sp>
-        <p:nvSpPr>
-          <p:cNvPr id="3" name="標題 2">
-            <a:extLst>
-              <a:ext uri="{FF2B5EF4-FFF2-40B4-BE49-F238E27FC236}">
-                <a16:creationId xmlns:a16="http://schemas.microsoft.com/office/drawing/2014/main" id="{6A775950-F0C7-92C5-3293-1A03D84EF6E2}"/>
-              </a:ext>
-            </a:extLst>
-          </p:cNvPr>
-          <p:cNvSpPr>
-            <a:spLocks noGrp="1"/>
-          </p:cNvSpPr>
-          <p:nvPr>
-            <p:ph type="title"/>
-          </p:nvPr>
-        </p:nvSpPr>
-        <p:spPr/>
-        <p:txBody>
-          <a:bodyPr/>
-          <a:lstStyle/>
-          <a:p>
-            <a:r>
-              <a:rPr lang="en-US" altLang="zh-TW" dirty="0"/>
-              <a:t>break down</a:t>
-            </a:r>
-            <a:endParaRPr lang="zh-TW" altLang="en-US" dirty="0"/>
-          </a:p>
-        </p:txBody>
-      </p:sp>
-    </p:spTree>
-    <p:extLst>
-      <p:ext uri="{BB962C8B-B14F-4D97-AF65-F5344CB8AC3E}">
-        <p14:creationId xmlns:p14="http://schemas.microsoft.com/office/powerpoint/2010/main" val="1266130332"/>
-      </p:ext>
-    </p:extLst>
-  </p:cSld>
-  <p:clrMapOvr>
-    <a:masterClrMapping/>
-  </p:clrMapOvr>
-</p:sld>
-</file>
-
-<file path=ppt/slides/slide9.xml><?xml version="1.0" encoding="utf-8"?>
-<p:sld xmlns:a="http://schemas.openxmlformats.org/drawingml/2006/main" xmlns:r="http://schemas.openxmlformats.org/officeDocument/2006/relationships" xmlns:p="http://schemas.openxmlformats.org/presentationml/2006/main">
-  <p:cSld>
-    <p:spTree>
-      <p:nvGrpSpPr>
-        <p:cNvPr id="1" name=""/>
-        <p:cNvGrpSpPr/>
-        <p:nvPr/>
-      </p:nvGrpSpPr>
-      <p:grpSpPr>
-        <a:xfrm>
-          <a:off x="0" y="0"/>
-          <a:ext cx="0" cy="0"/>
-          <a:chOff x="0" y="0"/>
-          <a:chExt cx="0" cy="0"/>
-        </a:xfrm>
-      </p:grpSpPr>
-      <p:pic>
-        <p:nvPicPr>
-          <p:cNvPr id="5" name="內容版面配置區 4">
-            <a:extLst>
-              <a:ext uri="{FF2B5EF4-FFF2-40B4-BE49-F238E27FC236}">
-                <a16:creationId xmlns:a16="http://schemas.microsoft.com/office/drawing/2014/main" id="{85672A31-CCE3-5886-6CC4-A75675E95FA0}"/>
-              </a:ext>
-            </a:extLst>
-          </p:cNvPr>
-          <p:cNvPicPr>
-            <a:picLocks noGrp="1" noChangeAspect="1"/>
-          </p:cNvPicPr>
-          <p:nvPr>
-            <p:ph idx="1"/>
-          </p:nvPr>
-        </p:nvPicPr>
-        <p:blipFill>
-          <a:blip r:embed="rId2"/>
-          <a:stretch>
-            <a:fillRect/>
-          </a:stretch>
-        </p:blipFill>
-        <p:spPr>
-          <a:xfrm>
-            <a:off x="838200" y="1852362"/>
-            <a:ext cx="7116168" cy="3810532"/>
-          </a:xfrm>
-          <a:ln w="19050">
-            <a:solidFill>
-              <a:srgbClr val="FF0000"/>
-            </a:solidFill>
-          </a:ln>
-        </p:spPr>
-      </p:pic>
-      <p:sp>
-        <p:nvSpPr>
-          <p:cNvPr id="3" name="標題 2">
-            <a:extLst>
-              <a:ext uri="{FF2B5EF4-FFF2-40B4-BE49-F238E27FC236}">
-                <a16:creationId xmlns:a16="http://schemas.microsoft.com/office/drawing/2014/main" id="{B5BA41B9-5DAC-617A-631D-40211BF8BF8B}"/>
-              </a:ext>
-            </a:extLst>
-          </p:cNvPr>
-          <p:cNvSpPr>
-            <a:spLocks noGrp="1"/>
-          </p:cNvSpPr>
-          <p:nvPr>
-            <p:ph type="title"/>
-          </p:nvPr>
-        </p:nvSpPr>
-        <p:spPr/>
-        <p:txBody>
-          <a:bodyPr/>
-          <a:lstStyle/>
-          <a:p>
-            <a:r>
-              <a:rPr lang="en-US" altLang="zh-TW" dirty="0" err="1"/>
-              <a:t>fsm</a:t>
-            </a:r>
-            <a:endParaRPr lang="zh-TW" altLang="en-US" dirty="0"/>
-          </a:p>
-        </p:txBody>
-      </p:sp>
-      <p:sp>
-        <p:nvSpPr>
-          <p:cNvPr id="6" name="文字方塊 5">
-            <a:extLst>
-              <a:ext uri="{FF2B5EF4-FFF2-40B4-BE49-F238E27FC236}">
-                <a16:creationId xmlns:a16="http://schemas.microsoft.com/office/drawing/2014/main" id="{5541391F-2DF5-3CEF-9A22-EB8EFBA0E986}"/>
-              </a:ext>
-            </a:extLst>
-          </p:cNvPr>
-          <p:cNvSpPr txBox="1"/>
-          <p:nvPr/>
-        </p:nvSpPr>
-        <p:spPr>
-          <a:xfrm>
-            <a:off x="8086562" y="1852362"/>
-            <a:ext cx="3341883" cy="4247317"/>
-          </a:xfrm>
-          <a:prstGeom prst="rect">
-            <a:avLst/>
-          </a:prstGeom>
-          <a:noFill/>
-        </p:spPr>
-        <p:txBody>
-          <a:bodyPr wrap="square" rtlCol="0">
-            <a:spAutoFit/>
-          </a:bodyPr>
-          <a:lstStyle/>
-          <a:p>
-            <a:r>
-              <a:rPr lang="zh-TW" altLang="en-US" dirty="0">
-                <a:latin typeface="標楷體" panose="03000509000000000000" pitchFamily="65" charset="-120"/>
-                <a:ea typeface="標楷體" panose="03000509000000000000" pitchFamily="65" charset="-120"/>
-              </a:rPr>
-              <a:t>總共五個狀態</a:t>
-            </a:r>
-            <a:r>
-              <a:rPr lang="en-US" altLang="zh-TW" dirty="0">
-                <a:latin typeface="標楷體" panose="03000509000000000000" pitchFamily="65" charset="-120"/>
-                <a:ea typeface="標楷體" panose="03000509000000000000" pitchFamily="65" charset="-120"/>
-              </a:rPr>
-              <a:t>:</a:t>
-            </a:r>
-          </a:p>
-          <a:p>
-            <a:pPr marL="285750" indent="-285750">
-              <a:buFont typeface="Arial" panose="020B0604020202020204" pitchFamily="34" charset="0"/>
-              <a:buChar char="•"/>
-            </a:pPr>
-            <a:r>
-              <a:rPr lang="en-US" altLang="zh-TW" dirty="0">
-                <a:latin typeface="Times New Roman" panose="02020603050405020304" pitchFamily="18" charset="0"/>
-                <a:ea typeface="標楷體" panose="03000509000000000000" pitchFamily="65" charset="-120"/>
-                <a:cs typeface="Times New Roman" panose="02020603050405020304" pitchFamily="18" charset="0"/>
-              </a:rPr>
-              <a:t>initial </a:t>
-            </a:r>
-            <a:r>
-              <a:rPr lang="en-US" altLang="zh-TW" dirty="0">
-                <a:latin typeface="標楷體" panose="03000509000000000000" pitchFamily="65" charset="-120"/>
-                <a:ea typeface="標楷體" panose="03000509000000000000" pitchFamily="65" charset="-120"/>
-              </a:rPr>
-              <a:t>: </a:t>
-            </a:r>
-            <a:r>
-              <a:rPr lang="zh-TW" altLang="en-US" dirty="0">
-                <a:latin typeface="標楷體" panose="03000509000000000000" pitchFamily="65" charset="-120"/>
-                <a:ea typeface="標楷體" panose="03000509000000000000" pitchFamily="65" charset="-120"/>
-              </a:rPr>
-              <a:t>比賽初始化</a:t>
-            </a:r>
-            <a:endParaRPr lang="en-US" altLang="zh-TW" dirty="0">
-              <a:latin typeface="標楷體" panose="03000509000000000000" pitchFamily="65" charset="-120"/>
-              <a:ea typeface="標楷體" panose="03000509000000000000" pitchFamily="65" charset="-120"/>
-            </a:endParaRPr>
-          </a:p>
-          <a:p>
-            <a:pPr marL="285750" indent="-285750">
-              <a:buFont typeface="Arial" panose="020B0604020202020204" pitchFamily="34" charset="0"/>
-              <a:buChar char="•"/>
-            </a:pPr>
-            <a:r>
-              <a:rPr lang="en-US" altLang="zh-TW" dirty="0" err="1">
-                <a:latin typeface="Times New Roman" panose="02020603050405020304" pitchFamily="18" charset="0"/>
-                <a:ea typeface="標楷體" panose="03000509000000000000" pitchFamily="65" charset="-120"/>
-                <a:cs typeface="Times New Roman" panose="02020603050405020304" pitchFamily="18" charset="0"/>
-              </a:rPr>
-              <a:t>move_right</a:t>
-            </a:r>
-            <a:r>
-              <a:rPr lang="en-US" altLang="zh-TW" dirty="0">
-                <a:latin typeface="Times New Roman" panose="02020603050405020304" pitchFamily="18" charset="0"/>
-                <a:ea typeface="標楷體" panose="03000509000000000000" pitchFamily="65" charset="-120"/>
-                <a:cs typeface="Times New Roman" panose="02020603050405020304" pitchFamily="18" charset="0"/>
-              </a:rPr>
-              <a:t> </a:t>
-            </a:r>
-            <a:r>
-              <a:rPr lang="en-US" altLang="zh-TW" dirty="0">
-                <a:latin typeface="標楷體" panose="03000509000000000000" pitchFamily="65" charset="-120"/>
-                <a:ea typeface="標楷體" panose="03000509000000000000" pitchFamily="65" charset="-120"/>
-              </a:rPr>
-              <a:t>: </a:t>
-            </a:r>
-            <a:r>
-              <a:rPr lang="zh-TW" altLang="en-US" dirty="0">
-                <a:latin typeface="標楷體" panose="03000509000000000000" pitchFamily="65" charset="-120"/>
-                <a:ea typeface="標楷體" panose="03000509000000000000" pitchFamily="65" charset="-120"/>
-              </a:rPr>
-              <a:t>右移，包含判斷是否有無回擊</a:t>
-            </a:r>
-            <a:endParaRPr lang="en-US" altLang="zh-TW" dirty="0">
-              <a:latin typeface="標楷體" panose="03000509000000000000" pitchFamily="65" charset="-120"/>
-              <a:ea typeface="標楷體" panose="03000509000000000000" pitchFamily="65" charset="-120"/>
-            </a:endParaRPr>
-          </a:p>
-          <a:p>
-            <a:pPr marL="285750" indent="-285750">
-              <a:buFont typeface="Arial" panose="020B0604020202020204" pitchFamily="34" charset="0"/>
-              <a:buChar char="•"/>
-            </a:pPr>
-            <a:r>
-              <a:rPr lang="en-US" altLang="zh-TW" dirty="0" err="1">
-                <a:latin typeface="Times New Roman" panose="02020603050405020304" pitchFamily="18" charset="0"/>
-                <a:ea typeface="標楷體" panose="03000509000000000000" pitchFamily="65" charset="-120"/>
-                <a:cs typeface="Times New Roman" panose="02020603050405020304" pitchFamily="18" charset="0"/>
-              </a:rPr>
-              <a:t>move_right</a:t>
-            </a:r>
-            <a:r>
-              <a:rPr lang="en-US" altLang="zh-TW" dirty="0">
-                <a:latin typeface="Times New Roman" panose="02020603050405020304" pitchFamily="18" charset="0"/>
-                <a:ea typeface="標楷體" panose="03000509000000000000" pitchFamily="65" charset="-120"/>
-                <a:cs typeface="Times New Roman" panose="02020603050405020304" pitchFamily="18" charset="0"/>
-              </a:rPr>
-              <a:t> </a:t>
-            </a:r>
-            <a:r>
-              <a:rPr lang="en-US" altLang="zh-TW" dirty="0">
-                <a:latin typeface="標楷體" panose="03000509000000000000" pitchFamily="65" charset="-120"/>
-                <a:ea typeface="標楷體" panose="03000509000000000000" pitchFamily="65" charset="-120"/>
-              </a:rPr>
-              <a:t>: </a:t>
-            </a:r>
-            <a:r>
-              <a:rPr lang="zh-TW" altLang="en-US" dirty="0">
-                <a:latin typeface="標楷體" panose="03000509000000000000" pitchFamily="65" charset="-120"/>
-                <a:ea typeface="標楷體" panose="03000509000000000000" pitchFamily="65" charset="-120"/>
-              </a:rPr>
-              <a:t>左移，包含判斷是否有無回擊</a:t>
-            </a:r>
-            <a:endParaRPr lang="en-US" altLang="zh-TW" dirty="0">
-              <a:latin typeface="標楷體" panose="03000509000000000000" pitchFamily="65" charset="-120"/>
-              <a:ea typeface="標楷體" panose="03000509000000000000" pitchFamily="65" charset="-120"/>
-            </a:endParaRPr>
-          </a:p>
-          <a:p>
-            <a:pPr marL="285750" indent="-285750">
-              <a:buFont typeface="Arial" panose="020B0604020202020204" pitchFamily="34" charset="0"/>
-              <a:buChar char="•"/>
-            </a:pPr>
-            <a:r>
-              <a:rPr lang="en-US" altLang="zh-TW" dirty="0" err="1">
-                <a:latin typeface="Times New Roman" panose="02020603050405020304" pitchFamily="18" charset="0"/>
-                <a:ea typeface="標楷體" panose="03000509000000000000" pitchFamily="65" charset="-120"/>
-                <a:cs typeface="Times New Roman" panose="02020603050405020304" pitchFamily="18" charset="0"/>
-              </a:rPr>
-              <a:t>win_l</a:t>
-            </a:r>
-            <a:r>
-              <a:rPr lang="en-US" altLang="zh-TW" dirty="0">
-                <a:latin typeface="標楷體" panose="03000509000000000000" pitchFamily="65" charset="-120"/>
-                <a:ea typeface="標楷體" panose="03000509000000000000" pitchFamily="65" charset="-120"/>
-              </a:rPr>
-              <a:t> : </a:t>
-            </a:r>
-            <a:r>
-              <a:rPr lang="zh-TW" altLang="en-US" dirty="0">
-                <a:latin typeface="標楷體" panose="03000509000000000000" pitchFamily="65" charset="-120"/>
-                <a:ea typeface="標楷體" panose="03000509000000000000" pitchFamily="65" charset="-120"/>
-              </a:rPr>
-              <a:t>加分與顯示分數與判斷是否結束比賽回到 </a:t>
-            </a:r>
-            <a:r>
-              <a:rPr lang="en-US" altLang="zh-TW" dirty="0">
-                <a:latin typeface="Times New Roman" panose="02020603050405020304" pitchFamily="18" charset="0"/>
-                <a:ea typeface="標楷體" panose="03000509000000000000" pitchFamily="65" charset="-120"/>
-                <a:cs typeface="Times New Roman" panose="02020603050405020304" pitchFamily="18" charset="0"/>
-              </a:rPr>
-              <a:t>initial</a:t>
-            </a:r>
-          </a:p>
-          <a:p>
-            <a:pPr marL="285750" indent="-285750">
-              <a:buFont typeface="Arial" panose="020B0604020202020204" pitchFamily="34" charset="0"/>
-              <a:buChar char="•"/>
-            </a:pPr>
-            <a:r>
-              <a:rPr lang="en-US" altLang="zh-TW" dirty="0" err="1">
-                <a:latin typeface="Times New Roman" panose="02020603050405020304" pitchFamily="18" charset="0"/>
-                <a:ea typeface="標楷體" panose="03000509000000000000" pitchFamily="65" charset="-120"/>
-                <a:cs typeface="Times New Roman" panose="02020603050405020304" pitchFamily="18" charset="0"/>
-              </a:rPr>
-              <a:t>win_r</a:t>
-            </a:r>
-            <a:r>
-              <a:rPr lang="en-US" altLang="zh-TW" dirty="0">
-                <a:latin typeface="標楷體" panose="03000509000000000000" pitchFamily="65" charset="-120"/>
-                <a:ea typeface="標楷體" panose="03000509000000000000" pitchFamily="65" charset="-120"/>
-              </a:rPr>
-              <a:t> : </a:t>
-            </a:r>
-            <a:r>
-              <a:rPr lang="zh-TW" altLang="en-US" dirty="0">
-                <a:latin typeface="標楷體" panose="03000509000000000000" pitchFamily="65" charset="-120"/>
-                <a:ea typeface="標楷體" panose="03000509000000000000" pitchFamily="65" charset="-120"/>
-              </a:rPr>
-              <a:t>加分與顯示分數與判斷是否結束比賽回到 </a:t>
-            </a:r>
-            <a:r>
-              <a:rPr lang="en-US" altLang="zh-TW" dirty="0">
-                <a:latin typeface="Times New Roman" panose="02020603050405020304" pitchFamily="18" charset="0"/>
-                <a:ea typeface="標楷體" panose="03000509000000000000" pitchFamily="65" charset="-120"/>
-                <a:cs typeface="Times New Roman" panose="02020603050405020304" pitchFamily="18" charset="0"/>
-              </a:rPr>
-              <a:t>initial</a:t>
-            </a:r>
-          </a:p>
-          <a:p>
-            <a:pPr marL="285750" indent="-285750">
-              <a:buFont typeface="Arial" panose="020B0604020202020204" pitchFamily="34" charset="0"/>
-              <a:buChar char="•"/>
-            </a:pPr>
-            <a:endParaRPr lang="en-US" altLang="zh-TW" dirty="0"/>
-          </a:p>
-          <a:p>
-            <a:pPr marL="285750" indent="-285750">
-              <a:buFont typeface="Arial" panose="020B0604020202020204" pitchFamily="34" charset="0"/>
-              <a:buChar char="•"/>
-            </a:pPr>
-            <a:endParaRPr lang="en-US" altLang="zh-TW" dirty="0"/>
-          </a:p>
-          <a:p>
-            <a:pPr marL="285750" indent="-285750">
-              <a:buFont typeface="Arial" panose="020B0604020202020204" pitchFamily="34" charset="0"/>
-              <a:buChar char="•"/>
-            </a:pPr>
-            <a:endParaRPr lang="zh-TW" altLang="en-US" dirty="0"/>
-          </a:p>
-        </p:txBody>
-      </p:sp>
-    </p:spTree>
-    <p:extLst>
-      <p:ext uri="{BB962C8B-B14F-4D97-AF65-F5344CB8AC3E}">
-        <p14:creationId xmlns:p14="http://schemas.microsoft.com/office/powerpoint/2010/main" val="2107307463"/>
+        <p14:creationId xmlns:p14="http://schemas.microsoft.com/office/powerpoint/2010/main" val="4025477757"/>
       </p:ext>
     </p:extLst>
   </p:cSld>
